--- a/cloud_ppt.pptx
+++ b/cloud_ppt.pptx
@@ -294,38 +294,37 @@
           <a:p>
             <a:pPr lvl="0"/>
             <a:r>
-              <a:rPr lang="ko-KR" altLang="en-US" smtClean="0"/>
+              <a:rPr lang="ko-KR" altLang="en-US"/>
               <a:t>마스터 텍스트 스타일 편집</a:t>
             </a:r>
           </a:p>
           <a:p>
             <a:pPr lvl="1"/>
             <a:r>
-              <a:rPr lang="ko-KR" altLang="en-US" smtClean="0"/>
+              <a:rPr lang="ko-KR" altLang="en-US"/>
               <a:t>둘째 수준</a:t>
             </a:r>
           </a:p>
           <a:p>
             <a:pPr lvl="2"/>
             <a:r>
-              <a:rPr lang="ko-KR" altLang="en-US" smtClean="0"/>
+              <a:rPr lang="ko-KR" altLang="en-US"/>
               <a:t>셋째 수준</a:t>
             </a:r>
           </a:p>
           <a:p>
             <a:pPr lvl="3"/>
             <a:r>
-              <a:rPr lang="ko-KR" altLang="en-US" smtClean="0"/>
+              <a:rPr lang="ko-KR" altLang="en-US"/>
               <a:t>넷째 수준</a:t>
             </a:r>
           </a:p>
           <a:p>
             <a:pPr lvl="4"/>
             <a:r>
-              <a:rPr lang="ko-KR" altLang="en-US" smtClean="0"/>
+              <a:rPr lang="ko-KR" altLang="en-US"/>
               <a:t>다섯째 수준</a:t>
             </a:r>
-            <a:endParaRPr lang="ko-KR" altLang="en-US"/>
           </a:p>
         </p:txBody>
       </p:sp>
@@ -543,27 +542,27 @@
           <a:lstStyle/>
           <a:p>
             <a:r>
-              <a:rPr lang="ko-KR" altLang="en-US" dirty="0" smtClean="0"/>
+              <a:rPr lang="ko-KR" altLang="en-US" dirty="0"/>
               <a:t>저희 조가 진행한 프로젝트의 이름은 </a:t>
             </a:r>
             <a:r>
-              <a:rPr lang="en-US" altLang="ko-KR" dirty="0" smtClean="0"/>
+              <a:rPr lang="en-US" altLang="ko-KR" dirty="0"/>
               <a:t>CLOUDIE</a:t>
             </a:r>
             <a:r>
-              <a:rPr lang="ko-KR" altLang="en-US" dirty="0" smtClean="0"/>
+              <a:rPr lang="ko-KR" altLang="en-US" dirty="0"/>
               <a:t>로</a:t>
             </a:r>
             <a:r>
-              <a:rPr lang="en-US" altLang="ko-KR" dirty="0" smtClean="0"/>
+              <a:rPr lang="en-US" altLang="ko-KR" dirty="0"/>
               <a:t>, </a:t>
             </a:r>
             <a:r>
-              <a:rPr lang="ko-KR" altLang="en-US" dirty="0" smtClean="0"/>
+              <a:rPr lang="ko-KR" altLang="en-US" dirty="0"/>
               <a:t>영화 추천 및 매칭 기능을 제공하는 서비스입니다</a:t>
             </a:r>
             <a:r>
-              <a:rPr lang="en-US" altLang="ko-KR" dirty="0" smtClean="0"/>
+              <a:rPr lang="en-US" altLang="ko-KR" dirty="0"/>
               <a:t>.</a:t>
             </a:r>
             <a:endParaRPr lang="ko-KR" altLang="en-US" dirty="0"/>
@@ -651,43 +650,43 @@
           <a:lstStyle/>
           <a:p>
             <a:r>
-              <a:rPr lang="ko-KR" altLang="en-US" dirty="0" smtClean="0"/>
+              <a:rPr lang="ko-KR" altLang="en-US" dirty="0"/>
               <a:t>저희가 구현을 목표로 한 기능은 이와 같은데</a:t>
             </a:r>
             <a:r>
-              <a:rPr lang="en-US" altLang="ko-KR" dirty="0" smtClean="0"/>
+              <a:rPr lang="en-US" altLang="ko-KR" dirty="0"/>
               <a:t>,</a:t>
             </a:r>
             <a:r>
-              <a:rPr lang="en-US" altLang="ko-KR" baseline="0" dirty="0" smtClean="0"/>
+              <a:rPr lang="en-US" altLang="ko-KR" baseline="0" dirty="0"/>
               <a:t> </a:t>
             </a:r>
             <a:r>
-              <a:rPr lang="ko-KR" altLang="en-US" baseline="0" dirty="0" smtClean="0"/>
+              <a:rPr lang="ko-KR" altLang="en-US" baseline="0" dirty="0"/>
               <a:t>장르 데이터 기반 추천 영화 디스플레이와 </a:t>
             </a:r>
             <a:r>
-              <a:rPr lang="ko-KR" altLang="en-US" baseline="0" dirty="0" err="1" smtClean="0"/>
+              <a:rPr lang="ko-KR" altLang="en-US" baseline="0" dirty="0" err="1"/>
               <a:t>다크모드</a:t>
             </a:r>
             <a:r>
-              <a:rPr lang="en-US" altLang="ko-KR" baseline="0" dirty="0" smtClean="0"/>
+              <a:rPr lang="en-US" altLang="ko-KR" baseline="0" dirty="0"/>
               <a:t>, </a:t>
             </a:r>
             <a:r>
-              <a:rPr lang="ko-KR" altLang="en-US" baseline="0" dirty="0" smtClean="0"/>
+              <a:rPr lang="ko-KR" altLang="en-US" baseline="0" dirty="0"/>
               <a:t>매칭 서비스 구현이 </a:t>
             </a:r>
             <a:r>
-              <a:rPr lang="en-US" altLang="ko-KR" baseline="0" dirty="0" smtClean="0"/>
+              <a:rPr lang="en-US" altLang="ko-KR" baseline="0" dirty="0"/>
               <a:t>CLOUDIE</a:t>
             </a:r>
             <a:r>
-              <a:rPr lang="ko-KR" altLang="en-US" baseline="0" dirty="0" smtClean="0"/>
+              <a:rPr lang="ko-KR" altLang="en-US" baseline="0" dirty="0"/>
               <a:t>의 핵심 기능이 되겠습니다</a:t>
             </a:r>
             <a:r>
-              <a:rPr lang="en-US" altLang="ko-KR" baseline="0" dirty="0" smtClean="0"/>
+              <a:rPr lang="en-US" altLang="ko-KR" baseline="0" dirty="0"/>
               <a:t>.</a:t>
             </a:r>
             <a:endParaRPr lang="ko-KR" altLang="en-US" dirty="0"/>
@@ -775,105 +774,105 @@
           <a:lstStyle/>
           <a:p>
             <a:r>
-              <a:rPr lang="ko-KR" altLang="en-US" dirty="0" smtClean="0"/>
+              <a:rPr lang="ko-KR" altLang="en-US" dirty="0"/>
               <a:t>저희는 서비스 목표를 </a:t>
             </a:r>
             <a:r>
-              <a:rPr lang="ko-KR" altLang="en-US" dirty="0" err="1" smtClean="0"/>
+              <a:rPr lang="ko-KR" altLang="en-US" dirty="0" err="1"/>
               <a:t>수립하고나서</a:t>
             </a:r>
             <a:r>
-              <a:rPr lang="ko-KR" altLang="en-US" dirty="0" smtClean="0"/>
+              <a:rPr lang="ko-KR" altLang="en-US" dirty="0"/>
               <a:t> 작업에 들어가기 전에 </a:t>
             </a:r>
             <a:r>
-              <a:rPr lang="en-US" altLang="ko-KR" dirty="0" err="1" smtClean="0"/>
+              <a:rPr lang="en-US" altLang="ko-KR" dirty="0" err="1"/>
               <a:t>figma</a:t>
             </a:r>
             <a:r>
-              <a:rPr lang="ko-KR" altLang="en-US" dirty="0" smtClean="0"/>
+              <a:rPr lang="ko-KR" altLang="en-US" dirty="0"/>
               <a:t>로 개괄적인 계획을 </a:t>
             </a:r>
             <a:r>
-              <a:rPr lang="ko-KR" altLang="en-US" dirty="0" err="1" smtClean="0"/>
+              <a:rPr lang="ko-KR" altLang="en-US" dirty="0" err="1"/>
               <a:t>세워두었습니다</a:t>
             </a:r>
             <a:r>
-              <a:rPr lang="en-US" altLang="ko-KR" dirty="0" smtClean="0"/>
+              <a:rPr lang="en-US" altLang="ko-KR" dirty="0"/>
               <a:t>.</a:t>
             </a:r>
           </a:p>
           <a:p>
             <a:r>
-              <a:rPr lang="ko-KR" altLang="en-US" dirty="0" smtClean="0"/>
+              <a:rPr lang="ko-KR" altLang="en-US" dirty="0"/>
               <a:t>실제 작업 수행은</a:t>
             </a:r>
             <a:r>
-              <a:rPr lang="en-US" altLang="ko-KR" dirty="0" smtClean="0"/>
+              <a:rPr lang="en-US" altLang="ko-KR" dirty="0"/>
               <a:t>, </a:t>
             </a:r>
             <a:r>
-              <a:rPr lang="ko-KR" altLang="en-US" dirty="0" smtClean="0"/>
+              <a:rPr lang="ko-KR" altLang="en-US" dirty="0"/>
               <a:t>백과 프론트로 나누어 하려고 했었지만 저희 둘다 어느</a:t>
             </a:r>
             <a:r>
-              <a:rPr lang="ko-KR" altLang="en-US" baseline="0" dirty="0" smtClean="0"/>
+              <a:rPr lang="ko-KR" altLang="en-US" baseline="0" dirty="0"/>
               <a:t> 한쪽으로 </a:t>
             </a:r>
             <a:r>
-              <a:rPr lang="ko-KR" altLang="en-US" baseline="0" dirty="0" err="1" smtClean="0"/>
+              <a:rPr lang="ko-KR" altLang="en-US" baseline="0" dirty="0" err="1"/>
               <a:t>특화되어있지가</a:t>
             </a:r>
             <a:r>
-              <a:rPr lang="ko-KR" altLang="en-US" baseline="0" dirty="0" smtClean="0"/>
+              <a:rPr lang="ko-KR" altLang="en-US" baseline="0" dirty="0"/>
               <a:t> 않아서</a:t>
             </a:r>
             <a:r>
-              <a:rPr lang="en-US" altLang="ko-KR" baseline="0" dirty="0" smtClean="0"/>
+              <a:rPr lang="en-US" altLang="ko-KR" baseline="0" dirty="0"/>
               <a:t>, </a:t>
             </a:r>
             <a:r>
-              <a:rPr lang="ko-KR" altLang="en-US" baseline="0" dirty="0" smtClean="0"/>
+              <a:rPr lang="ko-KR" altLang="en-US" baseline="0" dirty="0"/>
               <a:t>각자 하나씩 </a:t>
             </a:r>
             <a:r>
-              <a:rPr lang="ko-KR" altLang="en-US" baseline="0" dirty="0" err="1" smtClean="0"/>
+              <a:rPr lang="ko-KR" altLang="en-US" baseline="0" dirty="0" err="1"/>
               <a:t>하나씩</a:t>
             </a:r>
             <a:r>
-              <a:rPr lang="ko-KR" altLang="en-US" baseline="0" dirty="0" smtClean="0"/>
+              <a:rPr lang="ko-KR" altLang="en-US" baseline="0" dirty="0"/>
               <a:t> 맡아 구현하면서 서로가 서로의 </a:t>
             </a:r>
             <a:r>
-              <a:rPr lang="en-US" altLang="ko-KR" baseline="0" dirty="0" smtClean="0"/>
+              <a:rPr lang="en-US" altLang="ko-KR" baseline="0" dirty="0"/>
               <a:t>driver</a:t>
             </a:r>
             <a:r>
-              <a:rPr lang="ko-KR" altLang="en-US" baseline="0" dirty="0" smtClean="0"/>
+              <a:rPr lang="ko-KR" altLang="en-US" baseline="0" dirty="0"/>
               <a:t>이자 </a:t>
             </a:r>
             <a:r>
-              <a:rPr lang="en-US" altLang="ko-KR" baseline="0" dirty="0" smtClean="0"/>
+              <a:rPr lang="en-US" altLang="ko-KR" baseline="0" dirty="0"/>
               <a:t>navigator</a:t>
             </a:r>
             <a:r>
-              <a:rPr lang="ko-KR" altLang="en-US" baseline="0" dirty="0" smtClean="0"/>
+              <a:rPr lang="ko-KR" altLang="en-US" baseline="0" dirty="0"/>
               <a:t>가 되어주며 협업했고</a:t>
             </a:r>
             <a:r>
-              <a:rPr lang="en-US" altLang="ko-KR" baseline="0" dirty="0" smtClean="0"/>
+              <a:rPr lang="en-US" altLang="ko-KR" baseline="0" dirty="0"/>
               <a:t>, </a:t>
             </a:r>
             <a:r>
-              <a:rPr lang="ko-KR" altLang="en-US" baseline="0" dirty="0" err="1" smtClean="0"/>
+              <a:rPr lang="ko-KR" altLang="en-US" baseline="0" dirty="0" err="1"/>
               <a:t>한시간마다</a:t>
             </a:r>
             <a:r>
-              <a:rPr lang="ko-KR" altLang="en-US" baseline="0" dirty="0" smtClean="0"/>
+              <a:rPr lang="ko-KR" altLang="en-US" baseline="0" dirty="0"/>
               <a:t> 진행 상황과 피드백 공유를 통해 문제 발생의 위험을 최대한 줄였습니다</a:t>
             </a:r>
             <a:r>
-              <a:rPr lang="en-US" altLang="ko-KR" baseline="0" dirty="0" smtClean="0"/>
+              <a:rPr lang="en-US" altLang="ko-KR" baseline="0" dirty="0"/>
               <a:t>.</a:t>
             </a:r>
             <a:endParaRPr lang="ko-KR" altLang="en-US" dirty="0"/>
@@ -961,39 +960,39 @@
           <a:lstStyle/>
           <a:p>
             <a:r>
-              <a:rPr lang="ko-KR" altLang="en-US" dirty="0" smtClean="0"/>
+              <a:rPr lang="ko-KR" altLang="en-US" dirty="0"/>
               <a:t>저희는 장고와 자바스크립트를 주로 사용해 작업했고</a:t>
             </a:r>
             <a:r>
-              <a:rPr lang="en-US" altLang="ko-KR" dirty="0" smtClean="0"/>
+              <a:rPr lang="en-US" altLang="ko-KR" dirty="0"/>
               <a:t>, </a:t>
             </a:r>
             <a:r>
-              <a:rPr lang="ko-KR" altLang="en-US" dirty="0" smtClean="0"/>
+              <a:rPr lang="ko-KR" altLang="en-US" dirty="0"/>
               <a:t>크게 </a:t>
             </a:r>
             <a:r>
-              <a:rPr lang="en-US" altLang="ko-KR" dirty="0" smtClean="0"/>
+              <a:rPr lang="en-US" altLang="ko-KR" dirty="0"/>
               <a:t>movie,</a:t>
             </a:r>
             <a:r>
-              <a:rPr lang="en-US" altLang="ko-KR" baseline="0" dirty="0" smtClean="0"/>
+              <a:rPr lang="en-US" altLang="ko-KR" baseline="0" dirty="0"/>
               <a:t> account, community 3</a:t>
             </a:r>
             <a:r>
-              <a:rPr lang="ko-KR" altLang="en-US" baseline="0" dirty="0" smtClean="0"/>
+              <a:rPr lang="ko-KR" altLang="en-US" baseline="0" dirty="0"/>
               <a:t>개의 앱을 만들어 이와 같이 모델링을 했습니다</a:t>
             </a:r>
             <a:r>
-              <a:rPr lang="en-US" altLang="ko-KR" baseline="0" dirty="0" smtClean="0"/>
+              <a:rPr lang="en-US" altLang="ko-KR" baseline="0" dirty="0"/>
               <a:t>. </a:t>
             </a:r>
             <a:r>
-              <a:rPr lang="ko-KR" altLang="en-US" baseline="0" dirty="0" smtClean="0"/>
+              <a:rPr lang="ko-KR" altLang="en-US" baseline="0" dirty="0"/>
               <a:t>시간 관계상 자세한 설명은 생략하겠습니다</a:t>
             </a:r>
             <a:r>
-              <a:rPr lang="en-US" altLang="ko-KR" baseline="0" dirty="0" smtClean="0"/>
+              <a:rPr lang="en-US" altLang="ko-KR" baseline="0" dirty="0"/>
               <a:t>.</a:t>
             </a:r>
             <a:endParaRPr lang="ko-KR" altLang="en-US" dirty="0"/>
@@ -6179,7 +6178,7 @@
               <a:defRPr/>
             </a:pPr>
             <a:r>
-              <a:rPr lang="en-US" altLang="ko-KR" sz="2800" b="1" i="1" kern="0" dirty="0" smtClean="0">
+              <a:rPr lang="en-US" altLang="ko-KR" sz="2800" b="1" i="1" kern="0" dirty="0">
                 <a:solidFill>
                   <a:prstClr val="white">
                     <a:lumMod val="85000"/>
@@ -6246,7 +6245,7 @@
                     <a:p>
                       <a:pPr algn="ctr" latinLnBrk="1"/>
                       <a:r>
-                        <a:rPr lang="ko-KR" altLang="en-US" sz="1200" i="1" dirty="0" smtClean="0">
+                        <a:rPr lang="ko-KR" altLang="en-US" sz="1200" i="1" dirty="0">
                           <a:solidFill>
                             <a:schemeClr val="bg1">
                               <a:lumMod val="85000"/>
@@ -6257,15 +6256,6 @@
                         </a:rPr>
                         <a:t>분반</a:t>
                       </a:r>
-                      <a:endParaRPr lang="ko-KR" altLang="en-US" sz="1200" i="1" dirty="0">
-                        <a:solidFill>
-                          <a:schemeClr val="bg1">
-                            <a:lumMod val="85000"/>
-                          </a:schemeClr>
-                        </a:solidFill>
-                        <a:latin typeface="Adobe 고딕 Std B" panose="020B0800000000000000" pitchFamily="34" charset="-127"/>
-                        <a:ea typeface="Adobe 고딕 Std B" panose="020B0800000000000000" pitchFamily="34" charset="-127"/>
-                      </a:endParaRPr>
                     </a:p>
                   </a:txBody>
                   <a:tcPr anchor="ctr">
@@ -6323,7 +6313,7 @@
                     <a:p>
                       <a:pPr algn="ctr" latinLnBrk="1"/>
                       <a:r>
-                        <a:rPr lang="ko-KR" altLang="en-US" sz="1200" i="1" dirty="0" smtClean="0">
+                        <a:rPr lang="ko-KR" altLang="en-US" sz="1200" i="1" dirty="0">
                           <a:solidFill>
                             <a:schemeClr val="bg1">
                               <a:lumMod val="85000"/>
@@ -6334,15 +6324,6 @@
                         </a:rPr>
                         <a:t>학번</a:t>
                       </a:r>
-                      <a:endParaRPr lang="ko-KR" altLang="en-US" sz="1200" i="1" dirty="0">
-                        <a:solidFill>
-                          <a:schemeClr val="bg1">
-                            <a:lumMod val="85000"/>
-                          </a:schemeClr>
-                        </a:solidFill>
-                        <a:latin typeface="Adobe 고딕 Std B" panose="020B0800000000000000" pitchFamily="34" charset="-127"/>
-                        <a:ea typeface="Adobe 고딕 Std B" panose="020B0800000000000000" pitchFamily="34" charset="-127"/>
-                      </a:endParaRPr>
                     </a:p>
                   </a:txBody>
                   <a:tcPr anchor="ctr">
@@ -6408,7 +6389,7 @@
                     <a:p>
                       <a:pPr algn="ctr" latinLnBrk="1"/>
                       <a:r>
-                        <a:rPr lang="ko-KR" altLang="en-US" sz="1200" i="1" dirty="0" smtClean="0">
+                        <a:rPr lang="ko-KR" altLang="en-US" sz="1200" i="1" dirty="0">
                           <a:solidFill>
                             <a:schemeClr val="bg1">
                               <a:lumMod val="85000"/>
@@ -6419,15 +6400,6 @@
                         </a:rPr>
                         <a:t>이름</a:t>
                       </a:r>
-                      <a:endParaRPr lang="ko-KR" altLang="en-US" sz="1200" i="1" dirty="0">
-                        <a:solidFill>
-                          <a:schemeClr val="bg1">
-                            <a:lumMod val="85000"/>
-                          </a:schemeClr>
-                        </a:solidFill>
-                        <a:latin typeface="Adobe 고딕 Std B" panose="020B0800000000000000" pitchFamily="34" charset="-127"/>
-                        <a:ea typeface="Adobe 고딕 Std B" panose="020B0800000000000000" pitchFamily="34" charset="-127"/>
-                      </a:endParaRPr>
                     </a:p>
                   </a:txBody>
                   <a:tcPr anchor="ctr">
@@ -6492,7 +6464,7 @@
                     <a:p>
                       <a:pPr algn="ctr" latinLnBrk="1"/>
                       <a:r>
-                        <a:rPr lang="ko-KR" altLang="en-US" sz="1200" i="1" dirty="0" smtClean="0">
+                        <a:rPr lang="ko-KR" altLang="en-US" sz="1200" i="1" dirty="0">
                           <a:solidFill>
                             <a:schemeClr val="bg1">
                               <a:lumMod val="85000"/>
@@ -6504,7 +6476,7 @@
                         <a:t>서울 </a:t>
                       </a:r>
                       <a:r>
-                        <a:rPr lang="en-US" altLang="ko-KR" sz="1200" i="1" dirty="0" smtClean="0">
+                        <a:rPr lang="en-US" altLang="ko-KR" sz="1200" i="1" dirty="0">
                           <a:solidFill>
                             <a:schemeClr val="bg1">
                               <a:lumMod val="85000"/>
@@ -6516,7 +6488,7 @@
                         <a:t>5</a:t>
                       </a:r>
                       <a:r>
-                        <a:rPr lang="ko-KR" altLang="en-US" sz="1200" i="1" dirty="0" smtClean="0">
+                        <a:rPr lang="ko-KR" altLang="en-US" sz="1200" i="1" dirty="0">
                           <a:solidFill>
                             <a:schemeClr val="bg1">
                               <a:lumMod val="85000"/>
@@ -6527,15 +6499,6 @@
                         </a:rPr>
                         <a:t>반</a:t>
                       </a:r>
-                      <a:endParaRPr lang="ko-KR" altLang="en-US" sz="1200" i="1" dirty="0">
-                        <a:solidFill>
-                          <a:schemeClr val="bg1">
-                            <a:lumMod val="85000"/>
-                          </a:schemeClr>
-                        </a:solidFill>
-                        <a:latin typeface="Adobe 고딕 Std B" panose="020B0800000000000000" pitchFamily="34" charset="-127"/>
-                        <a:ea typeface="Adobe 고딕 Std B" panose="020B0800000000000000" pitchFamily="34" charset="-127"/>
-                      </a:endParaRPr>
                     </a:p>
                   </a:txBody>
                   <a:tcPr anchor="ctr">
@@ -6593,7 +6556,7 @@
                     <a:p>
                       <a:pPr algn="ctr" latinLnBrk="1"/>
                       <a:r>
-                        <a:rPr lang="en-US" altLang="ko-KR" sz="1200" i="1" dirty="0" smtClean="0">
+                        <a:rPr lang="en-US" altLang="ko-KR" sz="1200" i="1" dirty="0">
                           <a:solidFill>
                             <a:schemeClr val="bg1">
                               <a:lumMod val="85000"/>
@@ -6608,7 +6571,7 @@
                     <a:p>
                       <a:pPr algn="ctr" latinLnBrk="1"/>
                       <a:r>
-                        <a:rPr lang="en-US" altLang="ko-KR" sz="1200" i="1" dirty="0" smtClean="0">
+                        <a:rPr lang="en-US" altLang="ko-KR" sz="1200" i="1" dirty="0">
                           <a:solidFill>
                             <a:schemeClr val="bg1">
                               <a:lumMod val="85000"/>
@@ -6693,7 +6656,7 @@
                     <a:p>
                       <a:pPr algn="ctr" latinLnBrk="1"/>
                       <a:r>
-                        <a:rPr lang="ko-KR" altLang="en-US" sz="1200" i="1" dirty="0" smtClean="0">
+                        <a:rPr lang="ko-KR" altLang="en-US" sz="1200" i="1" dirty="0">
                           <a:solidFill>
                             <a:schemeClr val="bg1">
                               <a:lumMod val="85000"/>
@@ -6704,7 +6667,7 @@
                         </a:rPr>
                         <a:t>임상빈</a:t>
                       </a:r>
-                      <a:endParaRPr lang="en-US" altLang="ko-KR" sz="1200" i="1" dirty="0" smtClean="0">
+                      <a:endParaRPr lang="en-US" altLang="ko-KR" sz="1200" i="1" dirty="0">
                         <a:solidFill>
                           <a:schemeClr val="bg1">
                             <a:lumMod val="85000"/>
@@ -6717,7 +6680,7 @@
                     <a:p>
                       <a:pPr algn="ctr" latinLnBrk="1"/>
                       <a:r>
-                        <a:rPr lang="ko-KR" altLang="en-US" sz="1200" i="1" dirty="0" err="1" smtClean="0">
+                        <a:rPr lang="ko-KR" altLang="en-US" sz="1200" i="1" dirty="0" err="1">
                           <a:solidFill>
                             <a:schemeClr val="bg1">
                               <a:lumMod val="85000"/>
@@ -7060,7 +7023,7 @@
           <a:lstStyle/>
           <a:p>
             <a:pPr algn="ctr"/>
-            <a:endParaRPr lang="en-US" altLang="ko-KR" sz="4800" dirty="0" smtClean="0">
+            <a:endParaRPr lang="en-US" altLang="ko-KR" sz="4800" dirty="0">
               <a:solidFill>
                 <a:prstClr val="white"/>
               </a:solidFill>
@@ -7077,18 +7040,13 @@
           <a:p>
             <a:pPr algn="ctr"/>
             <a:r>
-              <a:rPr lang="ko-KR" altLang="en-US" sz="4800" dirty="0" smtClean="0">
+              <a:rPr lang="ko-KR" altLang="en-US" sz="4800" dirty="0">
                 <a:solidFill>
                   <a:prstClr val="white"/>
                 </a:solidFill>
               </a:rPr>
               <a:t>영화 추천 및 매칭 서비스</a:t>
             </a:r>
-            <a:endParaRPr lang="ko-KR" altLang="en-US" sz="4800" dirty="0">
-              <a:solidFill>
-                <a:prstClr val="white"/>
-              </a:solidFill>
-            </a:endParaRPr>
           </a:p>
         </p:txBody>
       </p:sp>
@@ -7606,7 +7564,7 @@
               <a:defRPr/>
             </a:pPr>
             <a:r>
-              <a:rPr lang="en-US" altLang="ko-KR" sz="2800" b="1" i="1" kern="0" dirty="0" smtClean="0">
+              <a:rPr lang="en-US" altLang="ko-KR" sz="2800" b="1" i="1" kern="0" dirty="0">
                 <a:solidFill>
                   <a:prstClr val="white">
                     <a:lumMod val="85000"/>
@@ -7615,13 +7573,6 @@
               </a:rPr>
               <a:t>Final-project</a:t>
             </a:r>
-            <a:endParaRPr lang="en-US" altLang="ko-KR" sz="2800" b="1" i="1" kern="0" dirty="0">
-              <a:solidFill>
-                <a:prstClr val="white">
-                  <a:lumMod val="85000"/>
-                </a:prstClr>
-              </a:solidFill>
-            </a:endParaRPr>
           </a:p>
         </p:txBody>
       </p:sp>
@@ -8209,13 +8160,6 @@
   <p:transition spd="slow">
     <p:push dir="d"/>
   </p:transition>
-  <p:timing>
-    <p:tnLst>
-      <p:par>
-        <p:cTn id="1" dur="indefinite" restart="never" nodeType="tmRoot"/>
-      </p:par>
-    </p:tnLst>
-  </p:timing>
 </p:sld>
 </file>
 
@@ -8749,7 +8693,7 @@
             <a:pPr marL="342900" indent="-342900">
               <a:buAutoNum type="arabicPeriod"/>
             </a:pPr>
-            <a:endParaRPr lang="ko-KR" altLang="en-US" dirty="0" smtClean="0">
+            <a:endParaRPr lang="ko-KR" altLang="en-US" dirty="0">
               <a:solidFill>
                 <a:prstClr val="white"/>
               </a:solidFill>
@@ -8819,7 +8763,7 @@
               <a:defRPr/>
             </a:pPr>
             <a:r>
-              <a:rPr lang="ko-KR" altLang="en-US" sz="2800" b="1" i="1" kern="0" dirty="0" smtClean="0">
+              <a:rPr lang="ko-KR" altLang="en-US" sz="2800" b="1" i="1" kern="0" dirty="0">
                 <a:solidFill>
                   <a:prstClr val="white">
                     <a:lumMod val="85000"/>
@@ -9565,20 +9509,12 @@
               <a:buAutoNum type="arabicPeriod"/>
             </a:pPr>
             <a:r>
-              <a:rPr lang="ko-KR" altLang="en-US" b="1" dirty="0" smtClean="0">
-                <a:solidFill>
-                  <a:prstClr val="white"/>
-                </a:solidFill>
-              </a:rPr>
-              <a:t>같은 </a:t>
-            </a:r>
-            <a:r>
               <a:rPr lang="ko-KR" altLang="en-US" b="1" dirty="0">
                 <a:solidFill>
                   <a:prstClr val="white"/>
                 </a:solidFill>
               </a:rPr>
-              <a:t>장르를 선호하는 유저들 끼리 매칭해주는 서비스 구현</a:t>
+              <a:t>같은 장르를 선호하는 유저들 끼리 매칭해주는 서비스 구현</a:t>
             </a:r>
           </a:p>
           <a:p>
@@ -9599,13 +9535,6 @@
   <p:transition spd="slow">
     <p:push dir="d"/>
   </p:transition>
-  <p:timing>
-    <p:tnLst>
-      <p:par>
-        <p:cTn id="1" dur="indefinite" restart="never" nodeType="tmRoot"/>
-      </p:par>
-    </p:tnLst>
-  </p:timing>
 </p:sld>
 </file>
 
@@ -10137,22 +10066,6 @@
           <a:lstStyle/>
           <a:p>
             <a:pPr algn="ctr"/>
-            <a:r>
-              <a:rPr lang="ko-KR" altLang="en-US" dirty="0" err="1" smtClean="0">
-                <a:solidFill>
-                  <a:prstClr val="white"/>
-                </a:solidFill>
-              </a:rPr>
-              <a:t>피그마</a:t>
-            </a:r>
-            <a:r>
-              <a:rPr lang="ko-KR" altLang="en-US" dirty="0" smtClean="0">
-                <a:solidFill>
-                  <a:prstClr val="white"/>
-                </a:solidFill>
-              </a:rPr>
-              <a:t> 사진</a:t>
-            </a:r>
             <a:endParaRPr lang="ko-KR" altLang="en-US" dirty="0">
               <a:solidFill>
                 <a:prstClr val="white"/>
@@ -10223,7 +10136,7 @@
               <a:defRPr/>
             </a:pPr>
             <a:r>
-              <a:rPr lang="en-US" altLang="ko-KR" sz="2800" b="1" i="1" kern="0" dirty="0" err="1" smtClean="0">
+              <a:rPr lang="en-US" altLang="ko-KR" sz="2800" b="1" i="1" kern="0" dirty="0" err="1">
                 <a:solidFill>
                   <a:prstClr val="white">
                     <a:lumMod val="85000"/>
@@ -10783,6 +10696,36 @@
           </a:p>
         </p:txBody>
       </p:sp>
+      <p:pic>
+        <p:nvPicPr>
+          <p:cNvPr id="4" name="그림 3">
+            <a:extLst>
+              <a:ext uri="{FF2B5EF4-FFF2-40B4-BE49-F238E27FC236}">
+                <a16:creationId xmlns:a16="http://schemas.microsoft.com/office/drawing/2014/main" id="{51C222F2-CFAD-6EA3-D813-3956C60A5C75}"/>
+              </a:ext>
+            </a:extLst>
+          </p:cNvPr>
+          <p:cNvPicPr>
+            <a:picLocks noChangeAspect="1"/>
+          </p:cNvPicPr>
+          <p:nvPr/>
+        </p:nvPicPr>
+        <p:blipFill>
+          <a:blip r:embed="rId3"/>
+          <a:stretch>
+            <a:fillRect/>
+          </a:stretch>
+        </p:blipFill>
+        <p:spPr>
+          <a:xfrm>
+            <a:off x="1071624" y="885160"/>
+            <a:ext cx="10122922" cy="5517379"/>
+          </a:xfrm>
+          <a:prstGeom prst="rect">
+            <a:avLst/>
+          </a:prstGeom>
+        </p:spPr>
+      </p:pic>
     </p:spTree>
     <p:extLst>
       <p:ext uri="{BB962C8B-B14F-4D97-AF65-F5344CB8AC3E}">
@@ -10796,13 +10739,6 @@
   <p:transition spd="slow">
     <p:push dir="d"/>
   </p:transition>
-  <p:timing>
-    <p:tnLst>
-      <p:par>
-        <p:cTn id="1" dur="indefinite" restart="never" nodeType="tmRoot"/>
-      </p:par>
-    </p:tnLst>
-  </p:timing>
 </p:sld>
 </file>
 
@@ -11334,22 +11270,6 @@
           <a:lstStyle/>
           <a:p>
             <a:pPr algn="ctr"/>
-            <a:r>
-              <a:rPr lang="en-US" altLang="ko-KR" dirty="0" smtClean="0">
-                <a:solidFill>
-                  <a:prstClr val="white"/>
-                </a:solidFill>
-              </a:rPr>
-              <a:t>ERD </a:t>
-            </a:r>
-            <a:r>
-              <a:rPr lang="ko-KR" altLang="en-US" dirty="0" smtClean="0">
-                <a:solidFill>
-                  <a:prstClr val="white"/>
-                </a:solidFill>
-              </a:rPr>
-              <a:t>사진</a:t>
-            </a:r>
             <a:endParaRPr lang="ko-KR" altLang="en-US" dirty="0">
               <a:solidFill>
                 <a:prstClr val="white"/>
@@ -11420,7 +11340,7 @@
               <a:defRPr/>
             </a:pPr>
             <a:r>
-              <a:rPr lang="en-US" altLang="ko-KR" sz="2800" b="1" i="1" kern="0" dirty="0" smtClean="0">
+              <a:rPr lang="en-US" altLang="ko-KR" sz="2800" b="1" i="1" kern="0" dirty="0">
                 <a:solidFill>
                   <a:prstClr val="white">
                     <a:lumMod val="85000"/>
@@ -11429,13 +11349,6 @@
               </a:rPr>
               <a:t>DB Modeling</a:t>
             </a:r>
-            <a:endParaRPr lang="en-US" altLang="ko-KR" sz="2800" b="1" i="1" kern="0" dirty="0">
-              <a:solidFill>
-                <a:prstClr val="white">
-                  <a:lumMod val="85000"/>
-                </a:prstClr>
-              </a:solidFill>
-            </a:endParaRPr>
           </a:p>
         </p:txBody>
       </p:sp>
@@ -11980,6 +11893,36 @@
           </a:p>
         </p:txBody>
       </p:sp>
+      <p:pic>
+        <p:nvPicPr>
+          <p:cNvPr id="4" name="그림 3">
+            <a:extLst>
+              <a:ext uri="{FF2B5EF4-FFF2-40B4-BE49-F238E27FC236}">
+                <a16:creationId xmlns:a16="http://schemas.microsoft.com/office/drawing/2014/main" id="{1DD5FA57-338F-486F-8466-B644C04FF166}"/>
+              </a:ext>
+            </a:extLst>
+          </p:cNvPr>
+          <p:cNvPicPr>
+            <a:picLocks noChangeAspect="1"/>
+          </p:cNvPicPr>
+          <p:nvPr/>
+        </p:nvPicPr>
+        <p:blipFill>
+          <a:blip r:embed="rId3"/>
+          <a:stretch>
+            <a:fillRect/>
+          </a:stretch>
+        </p:blipFill>
+        <p:spPr>
+          <a:xfrm>
+            <a:off x="1526074" y="914924"/>
+            <a:ext cx="9271092" cy="5457852"/>
+          </a:xfrm>
+          <a:prstGeom prst="rect">
+            <a:avLst/>
+          </a:prstGeom>
+        </p:spPr>
+      </p:pic>
     </p:spTree>
     <p:extLst>
       <p:ext uri="{BB962C8B-B14F-4D97-AF65-F5344CB8AC3E}">
@@ -11993,13 +11936,6 @@
   <p:transition spd="slow">
     <p:push dir="d"/>
   </p:transition>
-  <p:timing>
-    <p:tnLst>
-      <p:par>
-        <p:cTn id="1" dur="indefinite" restart="never" nodeType="tmRoot"/>
-      </p:par>
-    </p:tnLst>
-  </p:timing>
 </p:sld>
 </file>
 
@@ -12532,18 +12468,13 @@
           <a:p>
             <a:pPr algn="ctr"/>
             <a:r>
-              <a:rPr lang="ko-KR" altLang="en-US" dirty="0" smtClean="0">
+              <a:rPr lang="ko-KR" altLang="en-US" dirty="0">
                 <a:solidFill>
                   <a:prstClr val="white"/>
                 </a:solidFill>
               </a:rPr>
               <a:t>뭔가 보여드리겠습니다</a:t>
             </a:r>
-            <a:endParaRPr lang="ko-KR" altLang="en-US" dirty="0">
-              <a:solidFill>
-                <a:prstClr val="white"/>
-              </a:solidFill>
-            </a:endParaRPr>
           </a:p>
         </p:txBody>
       </p:sp>
@@ -12609,7 +12540,7 @@
               <a:defRPr/>
             </a:pPr>
             <a:r>
-              <a:rPr lang="ko-KR" altLang="en-US" sz="2800" b="1" i="1" kern="0" dirty="0" smtClean="0">
+              <a:rPr lang="ko-KR" altLang="en-US" sz="2800" b="1" i="1" kern="0" dirty="0">
                 <a:solidFill>
                   <a:prstClr val="white">
                     <a:lumMod val="85000"/>
@@ -13182,13 +13113,6 @@
   <p:transition spd="slow">
     <p:push dir="d"/>
   </p:transition>
-  <p:timing>
-    <p:tnLst>
-      <p:par>
-        <p:cTn id="1" dur="indefinite" restart="never" nodeType="tmRoot"/>
-      </p:par>
-    </p:tnLst>
-  </p:timing>
 </p:sld>
 </file>
 
@@ -13790,7 +13714,7 @@
               <a:defRPr/>
             </a:pPr>
             <a:r>
-              <a:rPr lang="ko-KR" altLang="en-US" sz="2800" b="1" i="1" kern="0" dirty="0" smtClean="0">
+              <a:rPr lang="ko-KR" altLang="en-US" sz="2800" b="1" i="1" kern="0" dirty="0">
                 <a:solidFill>
                   <a:prstClr val="white">
                     <a:lumMod val="85000"/>
@@ -14378,7 +14302,7 @@
               </a:lnSpc>
             </a:pPr>
             <a:r>
-              <a:rPr lang="ko-KR" altLang="en-US" b="1" dirty="0" smtClean="0">
+              <a:rPr lang="ko-KR" altLang="en-US" b="1" dirty="0">
                 <a:solidFill>
                   <a:prstClr val="white"/>
                 </a:solidFill>
@@ -14386,7 +14310,7 @@
               <a:t>추가하고 싶었던 기능들이 몇가지 더 있었는데 시간 관계상 추가하지 못한 점이 아쉽다</a:t>
             </a:r>
             <a:r>
-              <a:rPr lang="en-US" altLang="ko-KR" b="1" dirty="0" smtClean="0">
+              <a:rPr lang="en-US" altLang="ko-KR" b="1" dirty="0">
                 <a:solidFill>
                   <a:prstClr val="white"/>
                 </a:solidFill>
@@ -14400,7 +14324,7 @@
                 <a:spcPct val="200000"/>
               </a:lnSpc>
             </a:pPr>
-            <a:endParaRPr lang="en-US" altLang="ko-KR" b="1" dirty="0" smtClean="0">
+            <a:endParaRPr lang="en-US" altLang="ko-KR" b="1" dirty="0">
               <a:solidFill>
                 <a:prstClr val="white"/>
               </a:solidFill>
@@ -14413,7 +14337,7 @@
               </a:lnSpc>
             </a:pPr>
             <a:r>
-              <a:rPr lang="ko-KR" altLang="en-US" b="1" dirty="0" smtClean="0">
+              <a:rPr lang="ko-KR" altLang="en-US" b="1" dirty="0">
                 <a:solidFill>
                   <a:prstClr val="white"/>
                 </a:solidFill>
@@ -14421,7 +14345,7 @@
               <a:t>여기까지 만들어내면서 </a:t>
             </a:r>
             <a:r>
-              <a:rPr lang="en-US" altLang="ko-KR" b="1" dirty="0" smtClean="0">
+              <a:rPr lang="en-US" altLang="ko-KR" b="1" dirty="0">
                 <a:solidFill>
                   <a:prstClr val="white"/>
                 </a:solidFill>
@@ -14429,7 +14353,7 @@
               <a:t>‘</a:t>
             </a:r>
             <a:r>
-              <a:rPr lang="ko-KR" altLang="en-US" b="1" dirty="0" smtClean="0">
+              <a:rPr lang="ko-KR" altLang="en-US" b="1" dirty="0">
                 <a:solidFill>
                   <a:prstClr val="white"/>
                 </a:solidFill>
@@ -14437,7 +14361,7 @@
               <a:t>할 줄 안다</a:t>
             </a:r>
             <a:r>
-              <a:rPr lang="en-US" altLang="ko-KR" b="1" dirty="0" smtClean="0">
+              <a:rPr lang="en-US" altLang="ko-KR" b="1" dirty="0">
                 <a:solidFill>
                   <a:prstClr val="white"/>
                 </a:solidFill>
@@ -14445,7 +14369,7 @@
               <a:t>＇</a:t>
             </a:r>
             <a:r>
-              <a:rPr lang="ko-KR" altLang="en-US" b="1" dirty="0" smtClean="0">
+              <a:rPr lang="ko-KR" altLang="en-US" b="1" dirty="0">
                 <a:solidFill>
                   <a:prstClr val="white"/>
                 </a:solidFill>
@@ -14453,7 +14377,7 @@
               <a:t>라고 말하기 애매했던 많은 것들에 자신감이 생겼다</a:t>
             </a:r>
             <a:r>
-              <a:rPr lang="en-US" altLang="ko-KR" b="1" dirty="0" smtClean="0">
+              <a:rPr lang="en-US" altLang="ko-KR" b="1" dirty="0">
                 <a:solidFill>
                   <a:prstClr val="white"/>
                 </a:solidFill>
@@ -14467,7 +14391,7 @@
                 <a:spcPct val="200000"/>
               </a:lnSpc>
             </a:pPr>
-            <a:endParaRPr lang="en-US" altLang="ko-KR" b="1" dirty="0" smtClean="0">
+            <a:endParaRPr lang="en-US" altLang="ko-KR" b="1" dirty="0">
               <a:solidFill>
                 <a:prstClr val="white"/>
               </a:solidFill>
@@ -14480,7 +14404,7 @@
               </a:lnSpc>
             </a:pPr>
             <a:r>
-              <a:rPr lang="en-US" altLang="ko-KR" b="1" dirty="0" err="1" smtClean="0">
+              <a:rPr lang="en-US" altLang="ko-KR" b="1" dirty="0" err="1">
                 <a:solidFill>
                   <a:prstClr val="white"/>
                 </a:solidFill>
@@ -14496,7 +14420,7 @@
               <a:t> </a:t>
             </a:r>
             <a:r>
-              <a:rPr lang="en-US" altLang="ko-KR" b="1" dirty="0" smtClean="0">
+              <a:rPr lang="en-US" altLang="ko-KR" b="1" dirty="0">
                 <a:solidFill>
                   <a:prstClr val="white"/>
                 </a:solidFill>
@@ -14504,7 +14428,7 @@
               <a:t>branch</a:t>
             </a:r>
             <a:r>
-              <a:rPr lang="ko-KR" altLang="en-US" b="1" dirty="0" smtClean="0">
+              <a:rPr lang="ko-KR" altLang="en-US" b="1" dirty="0">
                 <a:solidFill>
                   <a:prstClr val="white"/>
                 </a:solidFill>
@@ -14512,7 +14436,7 @@
               <a:t>를 사용하여 협업하는 방법도 숙달되었다</a:t>
             </a:r>
             <a:r>
-              <a:rPr lang="en-US" altLang="ko-KR" b="1" dirty="0" smtClean="0">
+              <a:rPr lang="en-US" altLang="ko-KR" b="1" dirty="0">
                 <a:solidFill>
                   <a:prstClr val="white"/>
                 </a:solidFill>
@@ -14526,7 +14450,7 @@
                 <a:spcPct val="200000"/>
               </a:lnSpc>
             </a:pPr>
-            <a:endParaRPr lang="en-US" altLang="ko-KR" b="1" dirty="0" smtClean="0">
+            <a:endParaRPr lang="en-US" altLang="ko-KR" b="1" dirty="0">
               <a:solidFill>
                 <a:prstClr val="white"/>
               </a:solidFill>
@@ -14539,7 +14463,7 @@
               </a:lnSpc>
             </a:pPr>
             <a:r>
-              <a:rPr lang="en-US" altLang="ko-KR" b="1" dirty="0" smtClean="0">
+              <a:rPr lang="en-US" altLang="ko-KR" b="1" dirty="0">
                 <a:solidFill>
                   <a:prstClr val="white"/>
                 </a:solidFill>
@@ -14547,7 +14471,7 @@
               <a:t>CLOUDIE </a:t>
             </a:r>
             <a:r>
-              <a:rPr lang="ko-KR" altLang="en-US" b="1" dirty="0" smtClean="0">
+              <a:rPr lang="ko-KR" altLang="en-US" b="1" dirty="0">
                 <a:solidFill>
                   <a:prstClr val="white"/>
                 </a:solidFill>
@@ -14555,7 +14479,7 @@
               <a:t>이전의 우리와 이후의 우리는 다른 사람이라고 봐도 무방하다</a:t>
             </a:r>
             <a:r>
-              <a:rPr lang="en-US" altLang="ko-KR" b="1" dirty="0" smtClean="0">
+              <a:rPr lang="en-US" altLang="ko-KR" b="1" dirty="0">
                 <a:solidFill>
                   <a:prstClr val="white"/>
                 </a:solidFill>
@@ -14579,13 +14503,6 @@
   <p:transition spd="slow">
     <p:push dir="d"/>
   </p:transition>
-  <p:timing>
-    <p:tnLst>
-      <p:par>
-        <p:cTn id="1" dur="indefinite" restart="never" nodeType="tmRoot"/>
-      </p:par>
-    </p:tnLst>
-  </p:timing>
 </p:sld>
 </file>
 
@@ -15187,7 +15104,7 @@
               <a:defRPr/>
             </a:pPr>
             <a:r>
-              <a:rPr lang="en-US" altLang="ko-KR" sz="2800" b="1" i="1" kern="0" dirty="0" smtClean="0">
+              <a:rPr lang="en-US" altLang="ko-KR" sz="2800" b="1" i="1" kern="0" dirty="0">
                 <a:solidFill>
                   <a:prstClr val="white">
                     <a:lumMod val="85000"/>
@@ -15196,13 +15113,6 @@
               </a:rPr>
               <a:t>Screen Shots</a:t>
             </a:r>
-            <a:endParaRPr lang="en-US" altLang="ko-KR" sz="2800" b="1" i="1" kern="0" dirty="0">
-              <a:solidFill>
-                <a:prstClr val="white">
-                  <a:lumMod val="85000"/>
-                </a:prstClr>
-              </a:solidFill>
-            </a:endParaRPr>
           </a:p>
         </p:txBody>
       </p:sp>
@@ -15760,13 +15670,6 @@
   <p:transition spd="slow">
     <p:push dir="d"/>
   </p:transition>
-  <p:timing>
-    <p:tnLst>
-      <p:par>
-        <p:cTn id="1" dur="indefinite" restart="never" nodeType="tmRoot"/>
-      </p:par>
-    </p:tnLst>
-  </p:timing>
 </p:sld>
 </file>
 

--- a/cloud_ppt.pptx
+++ b/cloud_ppt.pptx
@@ -1,21 +1,21 @@
 
 <file path=ppt/presentation.xml><?xml version="1.0" encoding="utf-8"?>
-<p:presentation xmlns:a="http://schemas.openxmlformats.org/drawingml/2006/main" xmlns:r="http://schemas.openxmlformats.org/officeDocument/2006/relationships" xmlns:p="http://schemas.openxmlformats.org/presentationml/2006/main" saveSubsetFonts="1">
+<p:presentation xmlns:r="http://schemas.openxmlformats.org/officeDocument/2006/relationships" xmlns:c="http://schemas.openxmlformats.org/drawingml/2006/chart" xmlns:a="http://schemas.openxmlformats.org/drawingml/2006/main" xmlns:dgm="http://schemas.openxmlformats.org/drawingml/2006/diagram" xmlns:dsp="http://schemas.microsoft.com/office/drawing/2008/diagram" xmlns:p="http://schemas.openxmlformats.org/presentationml/2006/main">
   <p:sldMasterIdLst>
-    <p:sldMasterId id="2147483660" r:id="rId1"/>
+    <p:sldMasterId id="2147483672" r:id="rId1"/>
   </p:sldMasterIdLst>
   <p:notesMasterIdLst>
-    <p:notesMasterId r:id="rId10"/>
+    <p:notesMasterId r:id="rId2"/>
   </p:notesMasterIdLst>
   <p:sldIdLst>
-    <p:sldId id="257" r:id="rId2"/>
-    <p:sldId id="258" r:id="rId3"/>
-    <p:sldId id="259" r:id="rId4"/>
-    <p:sldId id="260" r:id="rId5"/>
-    <p:sldId id="261" r:id="rId6"/>
-    <p:sldId id="262" r:id="rId7"/>
-    <p:sldId id="263" r:id="rId8"/>
-    <p:sldId id="264" r:id="rId9"/>
+    <p:sldId id="256" r:id="rId3"/>
+    <p:sldId id="257" r:id="rId4"/>
+    <p:sldId id="258" r:id="rId5"/>
+    <p:sldId id="259" r:id="rId6"/>
+    <p:sldId id="260" r:id="rId7"/>
+    <p:sldId id="261" r:id="rId8"/>
+    <p:sldId id="262" r:id="rId9"/>
+    <p:sldId id="263" r:id="rId10"/>
   </p:sldIdLst>
   <p:sldSz cx="12192000" cy="6858000"/>
   <p:notesSz cx="6858000" cy="9144000"/>
@@ -114,42 +114,26 @@
       </a:defRPr>
     </a:lvl9pPr>
   </p:defaultTextStyle>
-  <p:extLst>
-    <p:ext uri="{EFAFB233-063F-42B5-8137-9DF3F51BA10A}">
-      <p15:sldGuideLst xmlns:p15="http://schemas.microsoft.com/office/powerpoint/2012/main"/>
-    </p:ext>
-  </p:extLst>
 </p:presentation>
 </file>
 
 <file path=ppt/commentAuthors.xml><?xml version="1.0" encoding="utf-8"?>
-<p:cmAuthorLst xmlns:a="http://schemas.openxmlformats.org/drawingml/2006/main" xmlns:r="http://schemas.openxmlformats.org/officeDocument/2006/relationships" xmlns:p="http://schemas.openxmlformats.org/presentationml/2006/main">
-  <p:cmAuthor id="1" name="Windows 사용자" initials="W사" lastIdx="1" clrIdx="0">
-    <p:extLst>
-      <p:ext uri="{19B8F6BF-5375-455C-9EA6-DF929625EA0E}">
-        <p15:presenceInfo xmlns:p15="http://schemas.microsoft.com/office/powerpoint/2012/main" userId="Windows 사용자" providerId="None"/>
-      </p:ext>
-    </p:extLst>
-  </p:cmAuthor>
+<p:cmAuthorLst xmlns:r="http://schemas.openxmlformats.org/officeDocument/2006/relationships" xmlns:c="http://schemas.openxmlformats.org/drawingml/2006/chart" xmlns:a="http://schemas.openxmlformats.org/drawingml/2006/main" xmlns:dgm="http://schemas.openxmlformats.org/drawingml/2006/diagram" xmlns:dsp="http://schemas.microsoft.com/office/drawing/2008/diagram" xmlns:p="http://schemas.openxmlformats.org/presentationml/2006/main">
+  <p:cmAuthor id="1" name="Windows 사용자" initials="W사" lastIdx="1" clrIdx="0"/>
 </p:cmAuthorLst>
 </file>
 
 <file path=ppt/comments/comment1.xml><?xml version="1.0" encoding="utf-8"?>
-<p:cmLst xmlns:a="http://schemas.openxmlformats.org/drawingml/2006/main" xmlns:r="http://schemas.openxmlformats.org/officeDocument/2006/relationships" xmlns:p="http://schemas.openxmlformats.org/presentationml/2006/main">
+<p:cmLst xmlns:r="http://schemas.openxmlformats.org/officeDocument/2006/relationships" xmlns:c="http://schemas.openxmlformats.org/drawingml/2006/chart" xmlns:a="http://schemas.openxmlformats.org/drawingml/2006/main" xmlns:dgm="http://schemas.openxmlformats.org/drawingml/2006/diagram" xmlns:dsp="http://schemas.microsoft.com/office/drawing/2008/diagram" xmlns:p="http://schemas.openxmlformats.org/presentationml/2006/main">
   <p:cm authorId="1" dt="2022-11-24T14:56:20.430" idx="1">
-    <p:pos x="10" y="10"/>
+    <p:pos x="9" y="9"/>
     <p:text/>
-    <p:extLst>
-      <p:ext uri="{C676402C-5697-4E1C-873F-D02D1690AC5C}">
-        <p15:threadingInfo xmlns:p15="http://schemas.microsoft.com/office/powerpoint/2012/main" timeZoneBias="-540"/>
-      </p:ext>
-    </p:extLst>
   </p:cm>
 </p:cmLst>
 </file>
 
 <file path=ppt/notesMasters/notesMaster1.xml><?xml version="1.0" encoding="utf-8"?>
-<p:notesMaster xmlns:a="http://schemas.openxmlformats.org/drawingml/2006/main" xmlns:r="http://schemas.openxmlformats.org/officeDocument/2006/relationships" xmlns:p="http://schemas.openxmlformats.org/presentationml/2006/main">
+<p:notesMaster xmlns:r="http://schemas.openxmlformats.org/officeDocument/2006/relationships" xmlns:c="http://schemas.openxmlformats.org/drawingml/2006/chart" xmlns:a="http://schemas.openxmlformats.org/drawingml/2006/main" xmlns:dgm="http://schemas.openxmlformats.org/drawingml/2006/diagram" xmlns:dsp="http://schemas.microsoft.com/office/drawing/2008/diagram" xmlns:p="http://schemas.openxmlformats.org/presentationml/2006/main">
   <p:cSld>
     <p:bg>
       <p:bgRef idx="1001">
@@ -177,7 +161,7 @@
             <a:spLocks noGrp="1"/>
           </p:cNvSpPr>
           <p:nvPr>
-            <p:ph type="hdr" sz="quarter"/>
+            <p:ph type="hdr" sz="quarter" idx="0"/>
           </p:nvPr>
         </p:nvSpPr>
         <p:spPr>
@@ -190,13 +174,20 @@
           </a:prstGeom>
         </p:spPr>
         <p:txBody>
-          <a:bodyPr vert="horz" lIns="91440" tIns="45720" rIns="91440" bIns="45720" rtlCol="0"/>
+          <a:bodyPr vert="horz" lIns="91440" tIns="45720" rIns="91440" bIns="45720"/>
           <a:lstStyle>
             <a:lvl1pPr algn="l">
               <a:defRPr sz="1200"/>
             </a:lvl1pPr>
           </a:lstStyle>
           <a:p>
+            <a:pPr lvl="0">
+              <a:defRPr/>
+            </a:pPr>
+            <a:r>
+              <a:rPr lang="ko-KR" altLang="en-US"/>
+              <a:t/>
+            </a:r>
             <a:endParaRPr lang="ko-KR" altLang="en-US"/>
           </a:p>
         </p:txBody>
@@ -221,15 +212,21 @@
           </a:prstGeom>
         </p:spPr>
         <p:txBody>
-          <a:bodyPr vert="horz" lIns="91440" tIns="45720" rIns="91440" bIns="45720" rtlCol="0"/>
+          <a:bodyPr vert="horz" lIns="91440" tIns="45720" rIns="91440" bIns="45720"/>
           <a:lstStyle>
             <a:lvl1pPr algn="r">
               <a:defRPr sz="1200"/>
             </a:lvl1pPr>
           </a:lstStyle>
           <a:p>
-            <a:fld id="{CE3667BB-3858-4629-8D0E-227DD4B5036A}" type="datetimeFigureOut">
-              <a:rPr lang="ko-KR" altLang="en-US" smtClean="0"/>
+            <a:pPr lvl="0">
+              <a:defRPr/>
+            </a:pPr>
+            <a:fld id="{CE3667BB-3858-4629-8D0E-227DD4B5036A}" type="datetime1">
+              <a:rPr lang="ko-KR" altLang="en-US"/>
+              <a:pPr lvl="0">
+                <a:defRPr/>
+              </a:pPr>
               <a:t>2022-11-24</a:t>
             </a:fld>
             <a:endParaRPr lang="ko-KR" altLang="en-US"/>
@@ -240,7 +237,7 @@
         <p:nvSpPr>
           <p:cNvPr id="4" name="슬라이드 이미지 개체 틀 3"/>
           <p:cNvSpPr>
-            <a:spLocks noGrp="1" noRot="1" noChangeAspect="1"/>
+            <a:spLocks noGrp="1" noRot="1" noChangeAspect="1" noTextEdit="1"/>
           </p:cNvSpPr>
           <p:nvPr>
             <p:ph type="sldImg" idx="2"/>
@@ -262,9 +259,12 @@
           </a:ln>
         </p:spPr>
         <p:txBody>
-          <a:bodyPr vert="horz" lIns="91440" tIns="45720" rIns="91440" bIns="45720" rtlCol="0" anchor="ctr"/>
+          <a:bodyPr vert="horz" lIns="91440" tIns="45720" rIns="91440" bIns="45720" anchor="ctr"/>
           <a:lstStyle/>
           <a:p>
+            <a:pPr lvl="0">
+              <a:defRPr/>
+            </a:pPr>
             <a:endParaRPr lang="ko-KR" altLang="en-US"/>
           </a:p>
         </p:txBody>
@@ -289,40 +289,54 @@
           </a:prstGeom>
         </p:spPr>
         <p:txBody>
-          <a:bodyPr vert="horz" lIns="91440" tIns="45720" rIns="91440" bIns="45720" rtlCol="0"/>
+          <a:bodyPr vert="horz" lIns="91440" tIns="45720" rIns="91440" bIns="45720"/>
           <a:lstStyle/>
           <a:p>
-            <a:pPr lvl="0"/>
+            <a:pPr lvl="0">
+              <a:defRPr/>
+            </a:pPr>
             <a:r>
-              <a:rPr lang="ko-KR" altLang="en-US" smtClean="0"/>
+              <a:rPr lang="ko-KR" altLang="en-US"/>
               <a:t>마스터 텍스트 스타일 편집</a:t>
             </a:r>
-          </a:p>
-          <a:p>
-            <a:pPr lvl="1"/>
+            <a:endParaRPr lang="ko-KR" altLang="en-US"/>
+          </a:p>
+          <a:p>
+            <a:pPr lvl="1">
+              <a:defRPr/>
+            </a:pPr>
             <a:r>
-              <a:rPr lang="ko-KR" altLang="en-US" smtClean="0"/>
+              <a:rPr lang="ko-KR" altLang="en-US"/>
               <a:t>둘째 수준</a:t>
             </a:r>
-          </a:p>
-          <a:p>
-            <a:pPr lvl="2"/>
+            <a:endParaRPr lang="ko-KR" altLang="en-US"/>
+          </a:p>
+          <a:p>
+            <a:pPr lvl="2">
+              <a:defRPr/>
+            </a:pPr>
             <a:r>
-              <a:rPr lang="ko-KR" altLang="en-US" smtClean="0"/>
+              <a:rPr lang="ko-KR" altLang="en-US"/>
               <a:t>셋째 수준</a:t>
             </a:r>
-          </a:p>
-          <a:p>
-            <a:pPr lvl="3"/>
+            <a:endParaRPr lang="ko-KR" altLang="en-US"/>
+          </a:p>
+          <a:p>
+            <a:pPr lvl="3">
+              <a:defRPr/>
+            </a:pPr>
             <a:r>
-              <a:rPr lang="ko-KR" altLang="en-US" smtClean="0"/>
+              <a:rPr lang="ko-KR" altLang="en-US"/>
               <a:t>넷째 수준</a:t>
             </a:r>
-          </a:p>
-          <a:p>
-            <a:pPr lvl="4"/>
+            <a:endParaRPr lang="ko-KR" altLang="en-US"/>
+          </a:p>
+          <a:p>
+            <a:pPr lvl="4">
+              <a:defRPr/>
+            </a:pPr>
             <a:r>
-              <a:rPr lang="ko-KR" altLang="en-US" smtClean="0"/>
+              <a:rPr lang="ko-KR" altLang="en-US"/>
               <a:t>다섯째 수준</a:t>
             </a:r>
             <a:endParaRPr lang="ko-KR" altLang="en-US"/>
@@ -349,13 +363,20 @@
           </a:prstGeom>
         </p:spPr>
         <p:txBody>
-          <a:bodyPr vert="horz" lIns="91440" tIns="45720" rIns="91440" bIns="45720" rtlCol="0" anchor="b"/>
+          <a:bodyPr vert="horz" lIns="91440" tIns="45720" rIns="91440" bIns="45720" anchor="b"/>
           <a:lstStyle>
             <a:lvl1pPr algn="l">
               <a:defRPr sz="1200"/>
             </a:lvl1pPr>
           </a:lstStyle>
           <a:p>
+            <a:pPr lvl="0">
+              <a:defRPr/>
+            </a:pPr>
+            <a:r>
+              <a:rPr lang="ko-KR" altLang="en-US"/>
+              <a:t/>
+            </a:r>
             <a:endParaRPr lang="ko-KR" altLang="en-US"/>
           </a:p>
         </p:txBody>
@@ -380,15 +401,21 @@
           </a:prstGeom>
         </p:spPr>
         <p:txBody>
-          <a:bodyPr vert="horz" lIns="91440" tIns="45720" rIns="91440" bIns="45720" rtlCol="0" anchor="b"/>
+          <a:bodyPr vert="horz" lIns="91440" tIns="45720" rIns="91440" bIns="45720" anchor="b"/>
           <a:lstStyle>
             <a:lvl1pPr algn="r">
               <a:defRPr sz="1200"/>
             </a:lvl1pPr>
           </a:lstStyle>
           <a:p>
+            <a:pPr lvl="0">
+              <a:defRPr/>
+            </a:pPr>
             <a:fld id="{42EF1EBB-3C09-41B3-A637-715D221F77A2}" type="slidenum">
-              <a:rPr lang="ko-KR" altLang="en-US" smtClean="0"/>
+              <a:rPr lang="ko-KR" altLang="en-US"/>
+              <a:pPr lvl="0">
+                <a:defRPr/>
+              </a:pPr>
               <a:t>‹#›</a:t>
             </a:fld>
             <a:endParaRPr lang="ko-KR" altLang="en-US"/>
@@ -396,13 +423,9 @@
         </p:txBody>
       </p:sp>
     </p:spTree>
-    <p:extLst>
-      <p:ext uri="{BB962C8B-B14F-4D97-AF65-F5344CB8AC3E}">
-        <p14:creationId xmlns:p14="http://schemas.microsoft.com/office/powerpoint/2010/main" val="3688195154"/>
-      </p:ext>
-    </p:extLst>
   </p:cSld>
   <p:clrMap bg1="lt1" tx1="dk1" bg2="lt2" tx2="dk2" accent1="accent1" accent2="accent2" accent3="accent3" accent4="accent4" accent5="accent5" accent6="accent6" hlink="hlink" folHlink="folHlink"/>
+  <p:hf hdr="0" ftr="0" dt="0"/>
   <p:notesStyle>
     <a:lvl1pPr marL="0" algn="l" defTabSz="914400" rtl="0" eaLnBrk="1" latinLnBrk="1" hangingPunct="1">
       <a:defRPr sz="1200" kern="1200">
@@ -499,7 +522,7 @@
 </file>
 
 <file path=ppt/notesSlides/notesSlide1.xml><?xml version="1.0" encoding="utf-8"?>
-<p:notes xmlns:a="http://schemas.openxmlformats.org/drawingml/2006/main" xmlns:r="http://schemas.openxmlformats.org/officeDocument/2006/relationships" xmlns:p="http://schemas.openxmlformats.org/presentationml/2006/main">
+<p:notes xmlns:r="http://schemas.openxmlformats.org/officeDocument/2006/relationships" xmlns:c="http://schemas.openxmlformats.org/drawingml/2006/chart" xmlns:a="http://schemas.openxmlformats.org/drawingml/2006/main" xmlns:dgm="http://schemas.openxmlformats.org/drawingml/2006/diagram" xmlns:dsp="http://schemas.microsoft.com/office/drawing/2008/diagram" xmlns:p="http://schemas.openxmlformats.org/presentationml/2006/main">
   <p:cSld>
     <p:spTree>
       <p:nvGrpSpPr>
@@ -519,10 +542,10 @@
         <p:nvSpPr>
           <p:cNvPr id="2" name="슬라이드 이미지 개체 틀 1"/>
           <p:cNvSpPr>
-            <a:spLocks noGrp="1" noRot="1" noChangeAspect="1"/>
+            <a:spLocks noGrp="1" noRot="1" noChangeAspect="1" noTextEdit="1"/>
           </p:cNvSpPr>
           <p:nvPr>
-            <p:ph type="sldImg"/>
+            <p:ph type="sldImg" idx="0"/>
           </p:nvPr>
         </p:nvSpPr>
         <p:spPr/>
@@ -542,31 +565,34 @@
           <a:bodyPr/>
           <a:lstStyle/>
           <a:p>
+            <a:pPr lvl="0">
+              <a:defRPr/>
+            </a:pPr>
             <a:r>
-              <a:rPr lang="ko-KR" altLang="en-US" dirty="0" smtClean="0"/>
+              <a:rPr lang="ko-KR" altLang="en-US"/>
               <a:t>저희 조가 진행한 프로젝트의 이름은 </a:t>
             </a:r>
             <a:r>
-              <a:rPr lang="en-US" altLang="ko-KR" dirty="0" smtClean="0"/>
+              <a:rPr lang="en-US" altLang="ko-KR"/>
               <a:t>CLOUDIE</a:t>
             </a:r>
             <a:r>
-              <a:rPr lang="ko-KR" altLang="en-US" dirty="0" smtClean="0"/>
+              <a:rPr lang="ko-KR" altLang="en-US"/>
               <a:t>로</a:t>
             </a:r>
             <a:r>
-              <a:rPr lang="en-US" altLang="ko-KR" dirty="0" smtClean="0"/>
+              <a:rPr lang="en-US" altLang="ko-KR"/>
               <a:t>, </a:t>
             </a:r>
             <a:r>
-              <a:rPr lang="ko-KR" altLang="en-US" dirty="0" smtClean="0"/>
+              <a:rPr lang="ko-KR" altLang="en-US"/>
               <a:t>영화 추천 및 매칭 기능을 제공하는 서비스입니다</a:t>
             </a:r>
             <a:r>
-              <a:rPr lang="en-US" altLang="ko-KR" dirty="0" smtClean="0"/>
+              <a:rPr lang="en-US" altLang="ko-KR"/>
               <a:t>.</a:t>
             </a:r>
-            <a:endParaRPr lang="ko-KR" altLang="en-US" dirty="0"/>
+            <a:endParaRPr lang="ko-KR" altLang="en-US"/>
           </a:p>
         </p:txBody>
       </p:sp>
@@ -585,20 +611,21 @@
           <a:bodyPr/>
           <a:lstStyle/>
           <a:p>
+            <a:pPr lvl="0">
+              <a:defRPr/>
+            </a:pPr>
             <a:fld id="{42EF1EBB-3C09-41B3-A637-715D221F77A2}" type="slidenum">
-              <a:rPr lang="ko-KR" altLang="en-US" smtClean="0"/>
+              <a:rPr lang="en-US" altLang="en-US"/>
+              <a:pPr lvl="0">
+                <a:defRPr/>
+              </a:pPr>
               <a:t>2</a:t>
             </a:fld>
-            <a:endParaRPr lang="ko-KR" altLang="en-US"/>
+            <a:endParaRPr lang="en-US" altLang="en-US"/>
           </a:p>
         </p:txBody>
       </p:sp>
     </p:spTree>
-    <p:extLst>
-      <p:ext uri="{BB962C8B-B14F-4D97-AF65-F5344CB8AC3E}">
-        <p14:creationId xmlns:p14="http://schemas.microsoft.com/office/powerpoint/2010/main" val="2882311350"/>
-      </p:ext>
-    </p:extLst>
   </p:cSld>
   <p:clrMapOvr>
     <a:masterClrMapping/>
@@ -607,7 +634,7 @@
 </file>
 
 <file path=ppt/notesSlides/notesSlide2.xml><?xml version="1.0" encoding="utf-8"?>
-<p:notes xmlns:a="http://schemas.openxmlformats.org/drawingml/2006/main" xmlns:r="http://schemas.openxmlformats.org/officeDocument/2006/relationships" xmlns:p="http://schemas.openxmlformats.org/presentationml/2006/main">
+<p:notes xmlns:r="http://schemas.openxmlformats.org/officeDocument/2006/relationships" xmlns:c="http://schemas.openxmlformats.org/drawingml/2006/chart" xmlns:a="http://schemas.openxmlformats.org/drawingml/2006/main" xmlns:dgm="http://schemas.openxmlformats.org/drawingml/2006/diagram" xmlns:dsp="http://schemas.microsoft.com/office/drawing/2008/diagram" xmlns:p="http://schemas.openxmlformats.org/presentationml/2006/main">
   <p:cSld>
     <p:spTree>
       <p:nvGrpSpPr>
@@ -627,10 +654,10 @@
         <p:nvSpPr>
           <p:cNvPr id="2" name="슬라이드 이미지 개체 틀 1"/>
           <p:cNvSpPr>
-            <a:spLocks noGrp="1" noRot="1" noChangeAspect="1"/>
+            <a:spLocks noGrp="1" noRot="1" noChangeAspect="1" noTextEdit="1"/>
           </p:cNvSpPr>
           <p:nvPr>
-            <p:ph type="sldImg"/>
+            <p:ph type="sldImg" idx="0"/>
           </p:nvPr>
         </p:nvSpPr>
         <p:spPr/>
@@ -650,47 +677,46 @@
           <a:bodyPr/>
           <a:lstStyle/>
           <a:p>
+            <a:pPr lvl="0">
+              <a:defRPr/>
+            </a:pPr>
             <a:r>
-              <a:rPr lang="ko-KR" altLang="en-US" dirty="0" smtClean="0"/>
+              <a:rPr lang="ko-KR" altLang="en-US"/>
               <a:t>저희가 구현을 목표로 한 기능은 이와 같은데</a:t>
             </a:r>
             <a:r>
-              <a:rPr lang="en-US" altLang="ko-KR" dirty="0" smtClean="0"/>
+              <a:rPr lang="en-US" altLang="ko-KR"/>
               <a:t>,</a:t>
             </a:r>
             <a:r>
-              <a:rPr lang="en-US" altLang="ko-KR" baseline="0" dirty="0" smtClean="0"/>
+              <a:rPr lang="en-US" altLang="ko-KR" baseline="0"/>
               <a:t> </a:t>
             </a:r>
             <a:r>
-              <a:rPr lang="ko-KR" altLang="en-US" baseline="0" dirty="0" smtClean="0"/>
-              <a:t>장르 데이터 기반 추천 영화 디스플레이와 </a:t>
+              <a:rPr lang="ko-KR" altLang="en-US" baseline="0"/>
+              <a:t>장르 데이터 기반 추천 영화 디스플레이와 다크모드</a:t>
             </a:r>
             <a:r>
-              <a:rPr lang="ko-KR" altLang="en-US" baseline="0" dirty="0" err="1" smtClean="0"/>
-              <a:t>다크모드</a:t>
-            </a:r>
-            <a:r>
-              <a:rPr lang="en-US" altLang="ko-KR" baseline="0" dirty="0" smtClean="0"/>
+              <a:rPr lang="en-US" altLang="ko-KR" baseline="0"/>
               <a:t>, </a:t>
             </a:r>
             <a:r>
-              <a:rPr lang="ko-KR" altLang="en-US" baseline="0" dirty="0" smtClean="0"/>
+              <a:rPr lang="ko-KR" altLang="en-US" baseline="0"/>
               <a:t>매칭 서비스 구현이 </a:t>
             </a:r>
             <a:r>
-              <a:rPr lang="en-US" altLang="ko-KR" baseline="0" dirty="0" smtClean="0"/>
+              <a:rPr lang="en-US" altLang="ko-KR" baseline="0"/>
               <a:t>CLOUDIE</a:t>
             </a:r>
             <a:r>
-              <a:rPr lang="ko-KR" altLang="en-US" baseline="0" dirty="0" smtClean="0"/>
+              <a:rPr lang="ko-KR" altLang="en-US" baseline="0"/>
               <a:t>의 핵심 기능이 되겠습니다</a:t>
             </a:r>
             <a:r>
-              <a:rPr lang="en-US" altLang="ko-KR" baseline="0" dirty="0" smtClean="0"/>
+              <a:rPr lang="en-US" altLang="ko-KR" baseline="0"/>
               <a:t>.</a:t>
             </a:r>
-            <a:endParaRPr lang="ko-KR" altLang="en-US" dirty="0"/>
+            <a:endParaRPr lang="ko-KR" altLang="en-US"/>
           </a:p>
         </p:txBody>
       </p:sp>
@@ -709,20 +735,21 @@
           <a:bodyPr/>
           <a:lstStyle/>
           <a:p>
+            <a:pPr lvl="0">
+              <a:defRPr/>
+            </a:pPr>
             <a:fld id="{42EF1EBB-3C09-41B3-A637-715D221F77A2}" type="slidenum">
-              <a:rPr lang="ko-KR" altLang="en-US" smtClean="0"/>
+              <a:rPr lang="en-US" altLang="en-US"/>
+              <a:pPr lvl="0">
+                <a:defRPr/>
+              </a:pPr>
               <a:t>3</a:t>
             </a:fld>
-            <a:endParaRPr lang="ko-KR" altLang="en-US"/>
+            <a:endParaRPr lang="en-US" altLang="en-US"/>
           </a:p>
         </p:txBody>
       </p:sp>
     </p:spTree>
-    <p:extLst>
-      <p:ext uri="{BB962C8B-B14F-4D97-AF65-F5344CB8AC3E}">
-        <p14:creationId xmlns:p14="http://schemas.microsoft.com/office/powerpoint/2010/main" val="3315537099"/>
-      </p:ext>
-    </p:extLst>
   </p:cSld>
   <p:clrMapOvr>
     <a:masterClrMapping/>
@@ -731,7 +758,7 @@
 </file>
 
 <file path=ppt/notesSlides/notesSlide3.xml><?xml version="1.0" encoding="utf-8"?>
-<p:notes xmlns:a="http://schemas.openxmlformats.org/drawingml/2006/main" xmlns:r="http://schemas.openxmlformats.org/officeDocument/2006/relationships" xmlns:p="http://schemas.openxmlformats.org/presentationml/2006/main">
+<p:notes xmlns:r="http://schemas.openxmlformats.org/officeDocument/2006/relationships" xmlns:c="http://schemas.openxmlformats.org/drawingml/2006/chart" xmlns:a="http://schemas.openxmlformats.org/drawingml/2006/main" xmlns:dgm="http://schemas.openxmlformats.org/drawingml/2006/diagram" xmlns:dsp="http://schemas.microsoft.com/office/drawing/2008/diagram" xmlns:p="http://schemas.openxmlformats.org/presentationml/2006/main">
   <p:cSld>
     <p:spTree>
       <p:nvGrpSpPr>
@@ -751,10 +778,10 @@
         <p:nvSpPr>
           <p:cNvPr id="2" name="슬라이드 이미지 개체 틀 1"/>
           <p:cNvSpPr>
-            <a:spLocks noGrp="1" noRot="1" noChangeAspect="1"/>
+            <a:spLocks noGrp="1" noRot="1" noChangeAspect="1" noTextEdit="1"/>
           </p:cNvSpPr>
           <p:nvPr>
-            <p:ph type="sldImg"/>
+            <p:ph type="sldImg" idx="0"/>
           </p:nvPr>
         </p:nvSpPr>
         <p:spPr/>
@@ -774,109 +801,84 @@
           <a:bodyPr/>
           <a:lstStyle/>
           <a:p>
+            <a:pPr lvl="0">
+              <a:defRPr/>
+            </a:pPr>
             <a:r>
-              <a:rPr lang="ko-KR" altLang="en-US" dirty="0" smtClean="0"/>
-              <a:t>저희는 서비스 목표를 </a:t>
+              <a:rPr lang="ko-KR" altLang="en-US"/>
+              <a:t>저희는 서비스 목표를 수립하고나서 작업에 들어가기 전에 </a:t>
             </a:r>
             <a:r>
-              <a:rPr lang="ko-KR" altLang="en-US" dirty="0" err="1" smtClean="0"/>
-              <a:t>수립하고나서</a:t>
-            </a:r>
-            <a:r>
-              <a:rPr lang="ko-KR" altLang="en-US" dirty="0" smtClean="0"/>
-              <a:t> 작업에 들어가기 전에 </a:t>
-            </a:r>
-            <a:r>
-              <a:rPr lang="en-US" altLang="ko-KR" dirty="0" err="1" smtClean="0"/>
+              <a:rPr lang="en-US" altLang="ko-KR"/>
               <a:t>figma</a:t>
             </a:r>
             <a:r>
-              <a:rPr lang="ko-KR" altLang="en-US" dirty="0" smtClean="0"/>
-              <a:t>로 개괄적인 계획을 </a:t>
+              <a:rPr lang="ko-KR" altLang="en-US"/>
+              <a:t>로 개괄적인 계획을 세워두었습니다</a:t>
             </a:r>
             <a:r>
-              <a:rPr lang="ko-KR" altLang="en-US" dirty="0" err="1" smtClean="0"/>
-              <a:t>세워두었습니다</a:t>
-            </a:r>
-            <a:r>
-              <a:rPr lang="en-US" altLang="ko-KR" dirty="0" smtClean="0"/>
+              <a:rPr lang="en-US" altLang="ko-KR"/>
               <a:t>.</a:t>
             </a:r>
-          </a:p>
-          <a:p>
+            <a:endParaRPr lang="en-US" altLang="ko-KR"/>
+          </a:p>
+          <a:p>
+            <a:pPr lvl="0">
+              <a:defRPr/>
+            </a:pPr>
             <a:r>
-              <a:rPr lang="ko-KR" altLang="en-US" dirty="0" smtClean="0"/>
+              <a:rPr lang="ko-KR" altLang="en-US"/>
               <a:t>실제 작업 수행은</a:t>
             </a:r>
             <a:r>
-              <a:rPr lang="en-US" altLang="ko-KR" dirty="0" smtClean="0"/>
+              <a:rPr lang="en-US" altLang="ko-KR"/>
               <a:t>, </a:t>
             </a:r>
             <a:r>
-              <a:rPr lang="ko-KR" altLang="en-US" dirty="0" smtClean="0"/>
+              <a:rPr lang="ko-KR" altLang="en-US"/>
               <a:t>백과 프론트로 나누어 하려고 했었지만 저희 둘다 어느</a:t>
             </a:r>
             <a:r>
-              <a:rPr lang="ko-KR" altLang="en-US" baseline="0" dirty="0" smtClean="0"/>
-              <a:t> 한쪽으로 </a:t>
+              <a:rPr lang="ko-KR" altLang="en-US" baseline="0"/>
+              <a:t> 한쪽으로 특화되어있지가 않아서</a:t>
             </a:r>
             <a:r>
-              <a:rPr lang="ko-KR" altLang="en-US" baseline="0" dirty="0" err="1" smtClean="0"/>
-              <a:t>특화되어있지가</a:t>
-            </a:r>
-            <a:r>
-              <a:rPr lang="ko-KR" altLang="en-US" baseline="0" dirty="0" smtClean="0"/>
-              <a:t> 않아서</a:t>
-            </a:r>
-            <a:r>
-              <a:rPr lang="en-US" altLang="ko-KR" baseline="0" dirty="0" smtClean="0"/>
+              <a:rPr lang="en-US" altLang="ko-KR" baseline="0"/>
               <a:t>, </a:t>
             </a:r>
             <a:r>
-              <a:rPr lang="ko-KR" altLang="en-US" baseline="0" dirty="0" smtClean="0"/>
-              <a:t>각자 하나씩 </a:t>
+              <a:rPr lang="ko-KR" altLang="en-US" baseline="0"/>
+              <a:t>각자 하나씩 하나씩 맡아 구현하면서 서로가 서로의 </a:t>
             </a:r>
             <a:r>
-              <a:rPr lang="ko-KR" altLang="en-US" baseline="0" dirty="0" err="1" smtClean="0"/>
-              <a:t>하나씩</a:t>
-            </a:r>
-            <a:r>
-              <a:rPr lang="ko-KR" altLang="en-US" baseline="0" dirty="0" smtClean="0"/>
-              <a:t> 맡아 구현하면서 서로가 서로의 </a:t>
-            </a:r>
-            <a:r>
-              <a:rPr lang="en-US" altLang="ko-KR" baseline="0" dirty="0" smtClean="0"/>
+              <a:rPr lang="en-US" altLang="ko-KR" baseline="0"/>
               <a:t>driver</a:t>
             </a:r>
             <a:r>
-              <a:rPr lang="ko-KR" altLang="en-US" baseline="0" dirty="0" smtClean="0"/>
+              <a:rPr lang="ko-KR" altLang="en-US" baseline="0"/>
               <a:t>이자 </a:t>
             </a:r>
             <a:r>
-              <a:rPr lang="en-US" altLang="ko-KR" baseline="0" dirty="0" smtClean="0"/>
+              <a:rPr lang="en-US" altLang="ko-KR" baseline="0"/>
               <a:t>navigator</a:t>
             </a:r>
             <a:r>
-              <a:rPr lang="ko-KR" altLang="en-US" baseline="0" dirty="0" smtClean="0"/>
+              <a:rPr lang="ko-KR" altLang="en-US" baseline="0"/>
               <a:t>가 되어주며 협업했고</a:t>
             </a:r>
             <a:r>
-              <a:rPr lang="en-US" altLang="ko-KR" baseline="0" dirty="0" smtClean="0"/>
+              <a:rPr lang="en-US" altLang="ko-KR" baseline="0"/>
               <a:t>, </a:t>
             </a:r>
             <a:r>
-              <a:rPr lang="ko-KR" altLang="en-US" baseline="0" dirty="0" err="1" smtClean="0"/>
-              <a:t>한시간마다</a:t>
+              <a:rPr lang="ko-KR" altLang="en-US" baseline="0"/>
+              <a:t>한시간마다 진행 상황과 피드백 공유를 통해 문제 발생의 위험을 최대한 줄였습니다</a:t>
             </a:r>
             <a:r>
-              <a:rPr lang="ko-KR" altLang="en-US" baseline="0" dirty="0" smtClean="0"/>
-              <a:t> 진행 상황과 피드백 공유를 통해 문제 발생의 위험을 최대한 줄였습니다</a:t>
-            </a:r>
-            <a:r>
-              <a:rPr lang="en-US" altLang="ko-KR" baseline="0" dirty="0" smtClean="0"/>
+              <a:rPr lang="en-US" altLang="ko-KR" baseline="0"/>
               <a:t>.</a:t>
             </a:r>
-            <a:endParaRPr lang="ko-KR" altLang="en-US" dirty="0"/>
+            <a:endParaRPr lang="ko-KR" altLang="en-US"/>
           </a:p>
         </p:txBody>
       </p:sp>
@@ -895,20 +897,21 @@
           <a:bodyPr/>
           <a:lstStyle/>
           <a:p>
+            <a:pPr lvl="0">
+              <a:defRPr/>
+            </a:pPr>
             <a:fld id="{42EF1EBB-3C09-41B3-A637-715D221F77A2}" type="slidenum">
-              <a:rPr lang="ko-KR" altLang="en-US" smtClean="0"/>
+              <a:rPr lang="en-US" altLang="en-US"/>
+              <a:pPr lvl="0">
+                <a:defRPr/>
+              </a:pPr>
               <a:t>4</a:t>
             </a:fld>
-            <a:endParaRPr lang="ko-KR" altLang="en-US"/>
+            <a:endParaRPr lang="en-US" altLang="en-US"/>
           </a:p>
         </p:txBody>
       </p:sp>
     </p:spTree>
-    <p:extLst>
-      <p:ext uri="{BB962C8B-B14F-4D97-AF65-F5344CB8AC3E}">
-        <p14:creationId xmlns:p14="http://schemas.microsoft.com/office/powerpoint/2010/main" val="2715790011"/>
-      </p:ext>
-    </p:extLst>
   </p:cSld>
   <p:clrMapOvr>
     <a:masterClrMapping/>
@@ -917,7 +920,7 @@
 </file>
 
 <file path=ppt/notesSlides/notesSlide4.xml><?xml version="1.0" encoding="utf-8"?>
-<p:notes xmlns:a="http://schemas.openxmlformats.org/drawingml/2006/main" xmlns:r="http://schemas.openxmlformats.org/officeDocument/2006/relationships" xmlns:p="http://schemas.openxmlformats.org/presentationml/2006/main">
+<p:notes xmlns:r="http://schemas.openxmlformats.org/officeDocument/2006/relationships" xmlns:c="http://schemas.openxmlformats.org/drawingml/2006/chart" xmlns:a="http://schemas.openxmlformats.org/drawingml/2006/main" xmlns:dgm="http://schemas.openxmlformats.org/drawingml/2006/diagram" xmlns:dsp="http://schemas.microsoft.com/office/drawing/2008/diagram" xmlns:p="http://schemas.openxmlformats.org/presentationml/2006/main">
   <p:cSld>
     <p:spTree>
       <p:nvGrpSpPr>
@@ -937,10 +940,10 @@
         <p:nvSpPr>
           <p:cNvPr id="2" name="슬라이드 이미지 개체 틀 1"/>
           <p:cNvSpPr>
-            <a:spLocks noGrp="1" noRot="1" noChangeAspect="1"/>
+            <a:spLocks noGrp="1" noRot="1" noChangeAspect="1" noTextEdit="1"/>
           </p:cNvSpPr>
           <p:nvPr>
-            <p:ph type="sldImg"/>
+            <p:ph type="sldImg" idx="0"/>
           </p:nvPr>
         </p:nvSpPr>
         <p:spPr/>
@@ -960,43 +963,46 @@
           <a:bodyPr/>
           <a:lstStyle/>
           <a:p>
+            <a:pPr lvl="0">
+              <a:defRPr/>
+            </a:pPr>
             <a:r>
-              <a:rPr lang="ko-KR" altLang="en-US" dirty="0" smtClean="0"/>
+              <a:rPr lang="ko-KR" altLang="en-US"/>
               <a:t>저희는 장고와 자바스크립트를 주로 사용해 작업했고</a:t>
             </a:r>
             <a:r>
-              <a:rPr lang="en-US" altLang="ko-KR" dirty="0" smtClean="0"/>
+              <a:rPr lang="en-US" altLang="ko-KR"/>
               <a:t>, </a:t>
             </a:r>
             <a:r>
-              <a:rPr lang="ko-KR" altLang="en-US" dirty="0" smtClean="0"/>
+              <a:rPr lang="ko-KR" altLang="en-US"/>
               <a:t>크게 </a:t>
             </a:r>
             <a:r>
-              <a:rPr lang="en-US" altLang="ko-KR" dirty="0" smtClean="0"/>
+              <a:rPr lang="en-US" altLang="ko-KR"/>
               <a:t>movie,</a:t>
             </a:r>
             <a:r>
-              <a:rPr lang="en-US" altLang="ko-KR" baseline="0" dirty="0" smtClean="0"/>
+              <a:rPr lang="en-US" altLang="ko-KR" baseline="0"/>
               <a:t> account, community 3</a:t>
             </a:r>
             <a:r>
-              <a:rPr lang="ko-KR" altLang="en-US" baseline="0" dirty="0" smtClean="0"/>
+              <a:rPr lang="ko-KR" altLang="en-US" baseline="0"/>
               <a:t>개의 앱을 만들어 이와 같이 모델링을 했습니다</a:t>
             </a:r>
             <a:r>
-              <a:rPr lang="en-US" altLang="ko-KR" baseline="0" dirty="0" smtClean="0"/>
+              <a:rPr lang="en-US" altLang="ko-KR" baseline="0"/>
               <a:t>. </a:t>
             </a:r>
             <a:r>
-              <a:rPr lang="ko-KR" altLang="en-US" baseline="0" dirty="0" smtClean="0"/>
+              <a:rPr lang="ko-KR" altLang="en-US" baseline="0"/>
               <a:t>시간 관계상 자세한 설명은 생략하겠습니다</a:t>
             </a:r>
             <a:r>
-              <a:rPr lang="en-US" altLang="ko-KR" baseline="0" dirty="0" smtClean="0"/>
+              <a:rPr lang="en-US" altLang="ko-KR" baseline="0"/>
               <a:t>.</a:t>
             </a:r>
-            <a:endParaRPr lang="ko-KR" altLang="en-US" dirty="0"/>
+            <a:endParaRPr lang="ko-KR" altLang="en-US"/>
           </a:p>
         </p:txBody>
       </p:sp>
@@ -1015,20 +1021,219 @@
           <a:bodyPr/>
           <a:lstStyle/>
           <a:p>
+            <a:pPr lvl="0">
+              <a:defRPr/>
+            </a:pPr>
             <a:fld id="{42EF1EBB-3C09-41B3-A637-715D221F77A2}" type="slidenum">
-              <a:rPr lang="ko-KR" altLang="en-US" smtClean="0"/>
+              <a:rPr lang="en-US" altLang="en-US"/>
+              <a:pPr lvl="0">
+                <a:defRPr/>
+              </a:pPr>
               <a:t>5</a:t>
             </a:fld>
+            <a:endParaRPr lang="en-US" altLang="en-US"/>
+          </a:p>
+        </p:txBody>
+      </p:sp>
+    </p:spTree>
+  </p:cSld>
+  <p:clrMapOvr>
+    <a:masterClrMapping/>
+  </p:clrMapOvr>
+</p:notes>
+</file>
+
+<file path=ppt/notesSlides/notesSlide5.xml><?xml version="1.0" encoding="utf-8"?>
+<p:notes xmlns:r="http://schemas.openxmlformats.org/officeDocument/2006/relationships" xmlns:c="http://schemas.openxmlformats.org/drawingml/2006/chart" xmlns:a="http://schemas.openxmlformats.org/drawingml/2006/main" xmlns:dgm="http://schemas.openxmlformats.org/drawingml/2006/diagram" xmlns:dsp="http://schemas.microsoft.com/office/drawing/2008/diagram" xmlns:p="http://schemas.openxmlformats.org/presentationml/2006/main">
+  <p:cSld>
+    <p:spTree>
+      <p:nvGrpSpPr>
+        <p:cNvPr id="1" name=""/>
+        <p:cNvGrpSpPr/>
+        <p:nvPr/>
+      </p:nvGrpSpPr>
+      <p:grpSpPr>
+        <a:xfrm>
+          <a:off x="0" y="0"/>
+          <a:ext cx="0" cy="0"/>
+          <a:chOff x="0" y="0"/>
+          <a:chExt cx="0" cy="0"/>
+        </a:xfrm>
+      </p:grpSpPr>
+      <p:sp>
+        <p:nvSpPr>
+          <p:cNvPr id="2" name="슬라이드 이미지 개체 틀 3"/>
+          <p:cNvSpPr>
+            <a:spLocks noGrp="1" noRot="1" noChangeAspect="1" noTextEdit="1"/>
+          </p:cNvSpPr>
+          <p:nvPr>
+            <p:ph type="sldImg" idx="2"/>
+          </p:nvPr>
+        </p:nvSpPr>
+        <p:spPr/>
+        <p:txBody>
+          <a:bodyPr/>
+          <a:lstStyle/>
+          <a:p>
+            <a:pPr>
+              <a:defRPr/>
+            </a:pPr>
             <a:endParaRPr lang="ko-KR" altLang="en-US"/>
           </a:p>
         </p:txBody>
       </p:sp>
+      <p:sp>
+        <p:nvSpPr>
+          <p:cNvPr id="3" name="슬라이드 노트 개체 틀 4"/>
+          <p:cNvSpPr>
+            <a:spLocks noGrp="1"/>
+          </p:cNvSpPr>
+          <p:nvPr>
+            <p:ph type="body" sz="quarter" idx="3"/>
+          </p:nvPr>
+        </p:nvSpPr>
+        <p:spPr/>
+        <p:txBody>
+          <a:bodyPr/>
+          <a:lstStyle/>
+          <a:p>
+            <a:pPr>
+              <a:defRPr/>
+            </a:pPr>
+            <a:r>
+              <a:rPr lang="ko-KR" altLang="en-US"/>
+              <a:t>우리조의 서비스목표는 ~~~~이다.</a:t>
+            </a:r>
+            <a:endParaRPr lang="ko-KR" altLang="en-US"/>
+          </a:p>
+          <a:p>
+            <a:pPr>
+              <a:defRPr/>
+            </a:pPr>
+            <a:endParaRPr lang="ko-KR" altLang="en-US"/>
+          </a:p>
+          <a:p>
+            <a:pPr>
+              <a:defRPr/>
+            </a:pPr>
+            <a:r>
+              <a:rPr lang="ko-KR" altLang="en-US"/>
+              <a:t>figma사진 보여주면서 &gt; 의견을 나누면서 이런식으로 초기 구상을 먼저 해놓았다.</a:t>
+            </a:r>
+            <a:endParaRPr lang="ko-KR" altLang="en-US"/>
+          </a:p>
+          <a:p>
+            <a:pPr>
+              <a:defRPr/>
+            </a:pPr>
+            <a:endParaRPr lang="ko-KR" altLang="en-US"/>
+          </a:p>
+          <a:p>
+            <a:pPr>
+              <a:defRPr/>
+            </a:pPr>
+            <a:r>
+              <a:rPr lang="ko-KR" altLang="en-US"/>
+              <a:t>front와 back으로 작업영역을 나눌까 했었지만, 배운 것들을 직접 체험해보기 위해 영역에 구분을 두지 않고 함께 작업하기로 결정했고, figma에 계획한 내용을 토대로 하나씩 맡아 해결하면서 서로가 driver이자 동시에 navigator가 되어 작업했다.</a:t>
+            </a:r>
+            <a:endParaRPr lang="ko-KR" altLang="en-US"/>
+          </a:p>
+          <a:p>
+            <a:pPr>
+              <a:defRPr/>
+            </a:pPr>
+            <a:endParaRPr lang="ko-KR" altLang="en-US"/>
+          </a:p>
+          <a:p>
+            <a:pPr>
+              <a:defRPr/>
+            </a:pPr>
+            <a:r>
+              <a:rPr lang="ko-KR" altLang="en-US"/>
+              <a:t>그러다보니 작업 영역이 계속 겹치게 되기 때문에 한시간마다 진행 상황과 의견 교환을 통한 피드백을 실시하여 예기치 못한 문제가 생기는 상황을 최대한 미연에 방지하였다.</a:t>
+            </a:r>
+            <a:endParaRPr lang="ko-KR" altLang="en-US"/>
+          </a:p>
+          <a:p>
+            <a:pPr>
+              <a:defRPr/>
+            </a:pPr>
+            <a:endParaRPr lang="ko-KR" altLang="en-US"/>
+          </a:p>
+          <a:p>
+            <a:pPr>
+              <a:defRPr/>
+            </a:pPr>
+            <a:r>
+              <a:rPr lang="ko-KR" altLang="en-US"/>
+              <a:t>페이지별 사진 띄우면서 &gt; 이런 기능들을 구현했다.</a:t>
+            </a:r>
+            <a:endParaRPr lang="ko-KR" altLang="en-US"/>
+          </a:p>
+          <a:p>
+            <a:pPr>
+              <a:defRPr/>
+            </a:pPr>
+            <a:endParaRPr lang="ko-KR" altLang="en-US"/>
+          </a:p>
+          <a:p>
+            <a:pPr>
+              <a:defRPr/>
+            </a:pPr>
+            <a:r>
+              <a:rPr lang="ko-KR" altLang="en-US"/>
+              <a:t>실제 시연 한번 하고</a:t>
+            </a:r>
+            <a:endParaRPr lang="ko-KR" altLang="en-US"/>
+          </a:p>
+          <a:p>
+            <a:pPr>
+              <a:defRPr/>
+            </a:pPr>
+            <a:endParaRPr lang="ko-KR" altLang="en-US"/>
+          </a:p>
+          <a:p>
+            <a:pPr>
+              <a:defRPr/>
+            </a:pPr>
+            <a:r>
+              <a:rPr lang="ko-KR" altLang="en-US"/>
+              <a:t>후기: 처음엔 사실 막막하고 앞이안보였는데 매일 팀원과 자기전까지 의견을 나누면서 열심히 하다보니 어느새 목표했던 기능들을 대부분 구현하게 되었다. 백지부터 시작해서 이정도까지 만들어낼 수 있을 줄 몰랐는데 여기까지 함께 달려준 팀원에게 감사하다. 또한 이번 기회로 ~~~한 것들을 손에 제대로 익혔기때문에 다음 프로젝트는 더 자신감있고 포부있게 도전할 수 있을 것 같다.</a:t>
+            </a:r>
+            <a:endParaRPr lang="ko-KR" altLang="en-US"/>
+          </a:p>
+        </p:txBody>
+      </p:sp>
+      <p:sp>
+        <p:nvSpPr>
+          <p:cNvPr id="4" name="슬라이드 번호 개체 틀 6"/>
+          <p:cNvSpPr>
+            <a:spLocks noGrp="1"/>
+          </p:cNvSpPr>
+          <p:nvPr>
+            <p:ph type="sldNum" sz="quarter" idx="5"/>
+          </p:nvPr>
+        </p:nvSpPr>
+        <p:spPr/>
+        <p:txBody>
+          <a:bodyPr/>
+          <a:lstStyle/>
+          <a:p>
+            <a:pPr lvl="0">
+              <a:defRPr/>
+            </a:pPr>
+            <a:fld id="{42EF1EBB-3C09-41B3-A637-715D221F77A2}" type="slidenum">
+              <a:rPr lang="en-US" altLang="en-US"/>
+              <a:pPr lvl="0">
+                <a:defRPr/>
+              </a:pPr>
+              <a:t>7</a:t>
+            </a:fld>
+            <a:endParaRPr lang="en-US" altLang="en-US"/>
+          </a:p>
+        </p:txBody>
+      </p:sp>
     </p:spTree>
-    <p:extLst>
-      <p:ext uri="{BB962C8B-B14F-4D97-AF65-F5344CB8AC3E}">
-        <p14:creationId xmlns:p14="http://schemas.microsoft.com/office/powerpoint/2010/main" val="830311291"/>
-      </p:ext>
-    </p:extLst>
   </p:cSld>
   <p:clrMapOvr>
     <a:masterClrMapping/>
@@ -13193,7 +13398,7 @@
 </file>
 
 <file path=ppt/slides/slide7.xml><?xml version="1.0" encoding="utf-8"?>
-<p:sld xmlns:a="http://schemas.openxmlformats.org/drawingml/2006/main" xmlns:r="http://schemas.openxmlformats.org/officeDocument/2006/relationships" xmlns:p="http://schemas.openxmlformats.org/presentationml/2006/main">
+<p:sld xmlns:r="http://schemas.openxmlformats.org/officeDocument/2006/relationships" xmlns:c="http://schemas.openxmlformats.org/drawingml/2006/chart" xmlns:a="http://schemas.openxmlformats.org/drawingml/2006/main" xmlns:dgm="http://schemas.openxmlformats.org/drawingml/2006/diagram" xmlns:dsp="http://schemas.microsoft.com/office/drawing/2008/diagram" xmlns:p="http://schemas.openxmlformats.org/presentationml/2006/main">
   <p:cSld>
     <p:spTree>
       <p:nvGrpSpPr>
@@ -13216,7 +13421,7 @@
           <p:nvPr/>
         </p:nvGrpSpPr>
         <p:grpSpPr>
-          <a:xfrm>
+          <a:xfrm rot="0">
             <a:off x="533399" y="-4904"/>
             <a:ext cx="11153775" cy="103594"/>
             <a:chOff x="533399" y="-4904"/>
@@ -13275,7 +13480,7 @@
             </a:fontRef>
           </p:style>
           <p:txBody>
-            <a:bodyPr rtlCol="0" anchor="ctr"/>
+            <a:bodyPr anchor="ctr"/>
             <a:lstStyle/>
             <a:p>
               <a:pPr lvl="3" latinLnBrk="0">
@@ -13284,7 +13489,7 @@
                 </a:lnSpc>
                 <a:defRPr/>
               </a:pPr>
-              <a:endParaRPr lang="en-US" altLang="ko-KR" sz="2800" b="1" i="1" kern="0" dirty="0">
+              <a:endParaRPr lang="en-US" altLang="ko-KR" sz="2800" b="1" i="1" kern="0">
                 <a:solidFill>
                   <a:prstClr val="white">
                     <a:lumMod val="85000"/>
@@ -13343,10 +13548,12 @@
             </a:fontRef>
           </p:style>
           <p:txBody>
-            <a:bodyPr rtlCol="0" anchor="ctr"/>
+            <a:bodyPr anchor="ctr"/>
             <a:lstStyle/>
             <a:p>
-              <a:pPr algn="ctr"/>
+              <a:pPr algn="ctr">
+                <a:defRPr/>
+              </a:pPr>
               <a:endParaRPr lang="ko-KR" altLang="en-US">
                 <a:solidFill>
                   <a:prstClr val="white"/>
@@ -13404,10 +13611,12 @@
             </a:fontRef>
           </p:style>
           <p:txBody>
-            <a:bodyPr rtlCol="0" anchor="ctr"/>
+            <a:bodyPr anchor="ctr"/>
             <a:lstStyle/>
             <a:p>
-              <a:pPr algn="ctr"/>
+              <a:pPr algn="ctr">
+                <a:defRPr/>
+              </a:pPr>
               <a:endParaRPr lang="ko-KR" altLang="en-US">
                 <a:solidFill>
                   <a:prstClr val="white"/>
@@ -13465,10 +13674,12 @@
             </a:fontRef>
           </p:style>
           <p:txBody>
-            <a:bodyPr rtlCol="0" anchor="ctr"/>
+            <a:bodyPr anchor="ctr"/>
             <a:lstStyle/>
             <a:p>
-              <a:pPr algn="ctr"/>
+              <a:pPr algn="ctr">
+                <a:defRPr/>
+              </a:pPr>
               <a:endParaRPr lang="ko-KR" altLang="en-US">
                 <a:solidFill>
                   <a:prstClr val="white"/>
@@ -13526,10 +13737,12 @@
             </a:fontRef>
           </p:style>
           <p:txBody>
-            <a:bodyPr rtlCol="0" anchor="ctr"/>
+            <a:bodyPr anchor="ctr"/>
             <a:lstStyle/>
             <a:p>
-              <a:pPr algn="ctr"/>
+              <a:pPr algn="ctr">
+                <a:defRPr/>
+              </a:pPr>
               <a:endParaRPr lang="ko-KR" altLang="en-US">
                 <a:solidFill>
                   <a:prstClr val="white"/>
@@ -13587,10 +13800,12 @@
             </a:fontRef>
           </p:style>
           <p:txBody>
-            <a:bodyPr rtlCol="0" anchor="ctr"/>
+            <a:bodyPr anchor="ctr"/>
             <a:lstStyle/>
             <a:p>
-              <a:pPr algn="ctr"/>
+              <a:pPr algn="ctr">
+                <a:defRPr/>
+              </a:pPr>
               <a:endParaRPr lang="ko-KR" altLang="en-US">
                 <a:solidFill>
                   <a:prstClr val="white"/>
@@ -13648,10 +13863,12 @@
             </a:fontRef>
           </p:style>
           <p:txBody>
-            <a:bodyPr rtlCol="0" anchor="ctr"/>
+            <a:bodyPr anchor="ctr"/>
             <a:lstStyle/>
             <a:p>
-              <a:pPr algn="ctr"/>
+              <a:pPr algn="ctr">
+                <a:defRPr/>
+              </a:pPr>
               <a:endParaRPr lang="ko-KR" altLang="en-US">
                 <a:solidFill>
                   <a:prstClr val="white"/>
@@ -13716,11 +13933,13 @@
           </a:fontRef>
         </p:style>
         <p:txBody>
-          <a:bodyPr rtlCol="0" anchor="ctr"/>
+          <a:bodyPr anchor="ctr"/>
           <a:lstStyle/>
           <a:p>
-            <a:pPr algn="ctr"/>
-            <a:endParaRPr lang="ko-KR" altLang="en-US" dirty="0">
+            <a:pPr algn="ctr">
+              <a:defRPr/>
+            </a:pPr>
+            <a:endParaRPr lang="ko-KR" altLang="en-US">
               <a:solidFill>
                 <a:prstClr val="white"/>
               </a:solidFill>
@@ -13780,7 +13999,7 @@
           </a:fontRef>
         </p:style>
         <p:txBody>
-          <a:bodyPr rtlCol="0" anchor="ctr"/>
+          <a:bodyPr anchor="ctr"/>
           <a:lstStyle/>
           <a:p>
             <a:pPr lvl="3" latinLnBrk="0">
@@ -13790,7 +14009,7 @@
               <a:defRPr/>
             </a:pPr>
             <a:r>
-              <a:rPr lang="ko-KR" altLang="en-US" sz="2800" b="1" i="1" kern="0" dirty="0" smtClean="0">
+              <a:rPr lang="ko-KR" altLang="en-US" sz="2800" b="1" i="1" kern="0">
                 <a:solidFill>
                   <a:prstClr val="white">
                     <a:lumMod val="85000"/>
@@ -13799,7 +14018,7 @@
               </a:rPr>
               <a:t>후기</a:t>
             </a:r>
-            <a:endParaRPr lang="en-US" altLang="ko-KR" sz="2800" b="1" i="1" kern="0" dirty="0">
+            <a:endParaRPr lang="en-US" altLang="ko-KR" sz="2800" b="1" i="1" kern="0">
               <a:solidFill>
                 <a:prstClr val="white">
                   <a:lumMod val="85000"/>
@@ -13858,10 +14077,12 @@
           </a:fontRef>
         </p:style>
         <p:txBody>
-          <a:bodyPr rtlCol="0" anchor="ctr"/>
+          <a:bodyPr anchor="ctr"/>
           <a:lstStyle/>
           <a:p>
-            <a:pPr algn="ctr"/>
+            <a:pPr algn="ctr">
+              <a:defRPr/>
+            </a:pPr>
             <a:endParaRPr lang="ko-KR" altLang="en-US">
               <a:solidFill>
                 <a:prstClr val="white"/>
@@ -13919,10 +14140,12 @@
           </a:fontRef>
         </p:style>
         <p:txBody>
-          <a:bodyPr rtlCol="0" anchor="ctr"/>
+          <a:bodyPr anchor="ctr"/>
           <a:lstStyle/>
           <a:p>
-            <a:pPr algn="ctr"/>
+            <a:pPr algn="ctr">
+              <a:defRPr/>
+            </a:pPr>
             <a:endParaRPr lang="ko-KR" altLang="en-US">
               <a:solidFill>
                 <a:prstClr val="white"/>
@@ -13980,10 +14203,12 @@
           </a:fontRef>
         </p:style>
         <p:txBody>
-          <a:bodyPr rtlCol="0" anchor="ctr"/>
+          <a:bodyPr anchor="ctr"/>
           <a:lstStyle/>
           <a:p>
-            <a:pPr algn="ctr"/>
+            <a:pPr algn="ctr">
+              <a:defRPr/>
+            </a:pPr>
             <a:endParaRPr lang="ko-KR" altLang="en-US">
               <a:solidFill>
                 <a:prstClr val="white"/>
@@ -14041,10 +14266,12 @@
           </a:fontRef>
         </p:style>
         <p:txBody>
-          <a:bodyPr rtlCol="0" anchor="ctr"/>
+          <a:bodyPr anchor="ctr"/>
           <a:lstStyle/>
           <a:p>
-            <a:pPr algn="ctr"/>
+            <a:pPr algn="ctr">
+              <a:defRPr/>
+            </a:pPr>
             <a:endParaRPr lang="ko-KR" altLang="en-US">
               <a:solidFill>
                 <a:prstClr val="white"/>
@@ -14102,10 +14329,12 @@
           </a:fontRef>
         </p:style>
         <p:txBody>
-          <a:bodyPr rtlCol="0" anchor="ctr"/>
+          <a:bodyPr anchor="ctr"/>
           <a:lstStyle/>
           <a:p>
-            <a:pPr algn="ctr"/>
+            <a:pPr algn="ctr">
+              <a:defRPr/>
+            </a:pPr>
             <a:endParaRPr lang="ko-KR" altLang="en-US">
               <a:solidFill>
                 <a:prstClr val="white"/>
@@ -14163,10 +14392,12 @@
           </a:fontRef>
         </p:style>
         <p:txBody>
-          <a:bodyPr rtlCol="0" anchor="ctr"/>
+          <a:bodyPr anchor="ctr"/>
           <a:lstStyle/>
           <a:p>
-            <a:pPr algn="ctr"/>
+            <a:pPr algn="ctr">
+              <a:defRPr/>
+            </a:pPr>
             <a:endParaRPr lang="ko-KR" altLang="en-US">
               <a:solidFill>
                 <a:prstClr val="white"/>
@@ -14220,10 +14451,12 @@
           </a:fontRef>
         </p:style>
         <p:txBody>
-          <a:bodyPr rtlCol="0" anchor="ctr"/>
+          <a:bodyPr anchor="ctr"/>
           <a:lstStyle/>
           <a:p>
-            <a:pPr algn="ctr"/>
+            <a:pPr algn="ctr">
+              <a:defRPr/>
+            </a:pPr>
             <a:endParaRPr lang="ko-KR" altLang="en-US">
               <a:solidFill>
                 <a:prstClr val="white"/>
@@ -14279,10 +14512,12 @@
           </a:fontRef>
         </p:style>
         <p:txBody>
-          <a:bodyPr rtlCol="0" anchor="ctr"/>
+          <a:bodyPr anchor="ctr"/>
           <a:lstStyle/>
           <a:p>
-            <a:pPr algn="ctr"/>
+            <a:pPr algn="ctr">
+              <a:defRPr/>
+            </a:pPr>
             <a:endParaRPr lang="ko-KR" altLang="en-US">
               <a:solidFill>
                 <a:prstClr val="white"/>
@@ -14338,10 +14573,12 @@
           </a:fontRef>
         </p:style>
         <p:txBody>
-          <a:bodyPr rtlCol="0" anchor="ctr"/>
+          <a:bodyPr anchor="ctr"/>
           <a:lstStyle/>
           <a:p>
-            <a:pPr algn="ctr"/>
+            <a:pPr algn="ctr">
+              <a:defRPr/>
+            </a:pPr>
             <a:endParaRPr lang="ko-KR" altLang="en-US">
               <a:solidFill>
                 <a:prstClr val="white"/>
@@ -14359,7 +14596,7 @@
         <p:spPr>
           <a:xfrm>
             <a:off x="1187800" y="1658691"/>
-            <a:ext cx="9749724" cy="3970318"/>
+            <a:ext cx="9749724" cy="3930579"/>
           </a:xfrm>
           <a:prstGeom prst="rect">
             <a:avLst/>
@@ -14367,7 +14604,7 @@
           <a:noFill/>
         </p:spPr>
         <p:txBody>
-          <a:bodyPr wrap="square" rtlCol="0">
+          <a:bodyPr wrap="square">
             <a:spAutoFit/>
           </a:bodyPr>
           <a:lstStyle/>
@@ -14376,9 +14613,10 @@
               <a:lnSpc>
                 <a:spcPct val="200000"/>
               </a:lnSpc>
+              <a:defRPr/>
             </a:pPr>
             <a:r>
-              <a:rPr lang="ko-KR" altLang="en-US" b="1" dirty="0" smtClean="0">
+              <a:rPr lang="ko-KR" altLang="en-US" b="1">
                 <a:solidFill>
                   <a:prstClr val="white"/>
                 </a:solidFill>
@@ -14386,21 +14624,27 @@
               <a:t>추가하고 싶었던 기능들이 몇가지 더 있었는데 시간 관계상 추가하지 못한 점이 아쉽다</a:t>
             </a:r>
             <a:r>
-              <a:rPr lang="en-US" altLang="ko-KR" b="1" dirty="0" smtClean="0">
+              <a:rPr lang="en-US" altLang="ko-KR" b="1">
                 <a:solidFill>
                   <a:prstClr val="white"/>
                 </a:solidFill>
               </a:rPr>
               <a:t>.</a:t>
             </a:r>
+            <a:endParaRPr lang="en-US" altLang="ko-KR" b="1">
+              <a:solidFill>
+                <a:prstClr val="white"/>
+              </a:solidFill>
+            </a:endParaRPr>
           </a:p>
           <a:p>
             <a:pPr>
               <a:lnSpc>
                 <a:spcPct val="200000"/>
               </a:lnSpc>
+              <a:defRPr/>
             </a:pPr>
-            <a:endParaRPr lang="en-US" altLang="ko-KR" b="1" dirty="0" smtClean="0">
+            <a:endParaRPr lang="en-US" altLang="ko-KR" b="1">
               <a:solidFill>
                 <a:prstClr val="white"/>
               </a:solidFill>
@@ -14411,9 +14655,10 @@
               <a:lnSpc>
                 <a:spcPct val="200000"/>
               </a:lnSpc>
+              <a:defRPr/>
             </a:pPr>
             <a:r>
-              <a:rPr lang="ko-KR" altLang="en-US" b="1" dirty="0" smtClean="0">
+              <a:rPr lang="ko-KR" altLang="en-US" b="1">
                 <a:solidFill>
                   <a:prstClr val="white"/>
                 </a:solidFill>
@@ -14421,7 +14666,7 @@
               <a:t>여기까지 만들어내면서 </a:t>
             </a:r>
             <a:r>
-              <a:rPr lang="en-US" altLang="ko-KR" b="1" dirty="0" smtClean="0">
+              <a:rPr lang="en-US" altLang="ko-KR" b="1">
                 <a:solidFill>
                   <a:prstClr val="white"/>
                 </a:solidFill>
@@ -14429,7 +14674,7 @@
               <a:t>‘</a:t>
             </a:r>
             <a:r>
-              <a:rPr lang="ko-KR" altLang="en-US" b="1" dirty="0" smtClean="0">
+              <a:rPr lang="ko-KR" altLang="en-US" b="1">
                 <a:solidFill>
                   <a:prstClr val="white"/>
                 </a:solidFill>
@@ -14437,15 +14682,15 @@
               <a:t>할 줄 안다</a:t>
             </a:r>
             <a:r>
-              <a:rPr lang="en-US" altLang="ko-KR" b="1" dirty="0" smtClean="0">
+              <a:rPr lang="en-US" altLang="ko-KR" b="1">
                 <a:solidFill>
                   <a:prstClr val="white"/>
                 </a:solidFill>
               </a:rPr>
-              <a:t>＇</a:t>
+              <a:t>’</a:t>
             </a:r>
             <a:r>
-              <a:rPr lang="ko-KR" altLang="en-US" b="1" dirty="0" smtClean="0">
+              <a:rPr lang="ko-KR" altLang="en-US" b="1">
                 <a:solidFill>
                   <a:prstClr val="white"/>
                 </a:solidFill>
@@ -14453,21 +14698,27 @@
               <a:t>라고 말하기 애매했던 많은 것들에 자신감이 생겼다</a:t>
             </a:r>
             <a:r>
-              <a:rPr lang="en-US" altLang="ko-KR" b="1" dirty="0" smtClean="0">
+              <a:rPr lang="en-US" altLang="ko-KR" b="1">
                 <a:solidFill>
                   <a:prstClr val="white"/>
                 </a:solidFill>
               </a:rPr>
               <a:t>.</a:t>
             </a:r>
+            <a:endParaRPr lang="en-US" altLang="ko-KR" b="1">
+              <a:solidFill>
+                <a:prstClr val="white"/>
+              </a:solidFill>
+            </a:endParaRPr>
           </a:p>
           <a:p>
             <a:pPr>
               <a:lnSpc>
                 <a:spcPct val="200000"/>
               </a:lnSpc>
+              <a:defRPr/>
             </a:pPr>
-            <a:endParaRPr lang="en-US" altLang="ko-KR" b="1" dirty="0" smtClean="0">
+            <a:endParaRPr lang="en-US" altLang="ko-KR" b="1">
               <a:solidFill>
                 <a:prstClr val="white"/>
               </a:solidFill>
@@ -14478,9 +14729,10 @@
               <a:lnSpc>
                 <a:spcPct val="200000"/>
               </a:lnSpc>
+              <a:defRPr/>
             </a:pPr>
             <a:r>
-              <a:rPr lang="en-US" altLang="ko-KR" b="1" dirty="0" err="1" smtClean="0">
+              <a:rPr lang="en-US" altLang="ko-KR" b="1">
                 <a:solidFill>
                   <a:prstClr val="white"/>
                 </a:solidFill>
@@ -14488,7 +14740,7 @@
               <a:t>Git</a:t>
             </a:r>
             <a:r>
-              <a:rPr lang="ko-KR" altLang="en-US" b="1" dirty="0">
+              <a:rPr lang="ko-KR" altLang="en-US" b="1">
                 <a:solidFill>
                   <a:prstClr val="white"/>
                 </a:solidFill>
@@ -14496,7 +14748,7 @@
               <a:t> </a:t>
             </a:r>
             <a:r>
-              <a:rPr lang="en-US" altLang="ko-KR" b="1" dirty="0" smtClean="0">
+              <a:rPr lang="en-US" altLang="ko-KR" b="1">
                 <a:solidFill>
                   <a:prstClr val="white"/>
                 </a:solidFill>
@@ -14504,7 +14756,7 @@
               <a:t>branch</a:t>
             </a:r>
             <a:r>
-              <a:rPr lang="ko-KR" altLang="en-US" b="1" dirty="0" smtClean="0">
+              <a:rPr lang="ko-KR" altLang="en-US" b="1">
                 <a:solidFill>
                   <a:prstClr val="white"/>
                 </a:solidFill>
@@ -14512,21 +14764,27 @@
               <a:t>를 사용하여 협업하는 방법도 숙달되었다</a:t>
             </a:r>
             <a:r>
-              <a:rPr lang="en-US" altLang="ko-KR" b="1" dirty="0" smtClean="0">
+              <a:rPr lang="en-US" altLang="ko-KR" b="1">
                 <a:solidFill>
                   <a:prstClr val="white"/>
                 </a:solidFill>
               </a:rPr>
               <a:t>.</a:t>
             </a:r>
+            <a:endParaRPr lang="en-US" altLang="ko-KR" b="1">
+              <a:solidFill>
+                <a:prstClr val="white"/>
+              </a:solidFill>
+            </a:endParaRPr>
           </a:p>
           <a:p>
             <a:pPr>
               <a:lnSpc>
                 <a:spcPct val="200000"/>
               </a:lnSpc>
+              <a:defRPr/>
             </a:pPr>
-            <a:endParaRPr lang="en-US" altLang="ko-KR" b="1" dirty="0" smtClean="0">
+            <a:endParaRPr lang="en-US" altLang="ko-KR" b="1">
               <a:solidFill>
                 <a:prstClr val="white"/>
               </a:solidFill>
@@ -14537,9 +14795,10 @@
               <a:lnSpc>
                 <a:spcPct val="200000"/>
               </a:lnSpc>
+              <a:defRPr/>
             </a:pPr>
             <a:r>
-              <a:rPr lang="en-US" altLang="ko-KR" b="1" dirty="0" smtClean="0">
+              <a:rPr lang="en-US" altLang="ko-KR" b="1">
                 <a:solidFill>
                   <a:prstClr val="white"/>
                 </a:solidFill>
@@ -14547,7 +14806,7 @@
               <a:t>CLOUDIE </a:t>
             </a:r>
             <a:r>
-              <a:rPr lang="ko-KR" altLang="en-US" b="1" dirty="0" smtClean="0">
+              <a:rPr lang="ko-KR" altLang="en-US" b="1">
                 <a:solidFill>
                   <a:prstClr val="white"/>
                 </a:solidFill>
@@ -14555,30 +14814,34 @@
               <a:t>이전의 우리와 이후의 우리는 다른 사람이라고 봐도 무방하다</a:t>
             </a:r>
             <a:r>
-              <a:rPr lang="en-US" altLang="ko-KR" b="1" dirty="0" smtClean="0">
+              <a:rPr lang="en-US" altLang="ko-KR" b="1">
                 <a:solidFill>
                   <a:prstClr val="white"/>
                 </a:solidFill>
               </a:rPr>
               <a:t>.</a:t>
             </a:r>
-            <a:endParaRPr lang="ko-KR" altLang="en-US" dirty="0"/>
+            <a:endParaRPr lang="ko-KR" altLang="en-US"/>
           </a:p>
         </p:txBody>
       </p:sp>
     </p:spTree>
-    <p:extLst>
-      <p:ext uri="{BB962C8B-B14F-4D97-AF65-F5344CB8AC3E}">
-        <p14:creationId xmlns:p14="http://schemas.microsoft.com/office/powerpoint/2010/main" val="3815241882"/>
-      </p:ext>
-    </p:extLst>
   </p:cSld>
   <p:clrMapOvr>
     <a:masterClrMapping/>
   </p:clrMapOvr>
-  <p:transition spd="slow">
-    <p:push dir="d"/>
-  </p:transition>
+  <mc:AlternateContent xmlns:mc="http://schemas.openxmlformats.org/markup-compatibility/2006">
+    <mc:Choice xmlns:p14="http://schemas.microsoft.com/office/powerpoint/2010/main" Requires="p14">
+      <p:transition xmlns:mc="http://schemas.openxmlformats.org/markup-compatibility/2006" xmlns:p14="http://schemas.microsoft.com/office/powerpoint/2010/main" spd="med" mc:Ignorable="p14" p14:dur="1000">
+        <p:push dir="d"/>
+      </p:transition>
+    </mc:Choice>
+    <mc:Fallback>
+      <p:transition xmlns:mc="http://schemas.openxmlformats.org/markup-compatibility/2006" xmlns:hp="http://schemas.haansoft.com/office/presentation/8.0" spd="med" mc:Ignorable="hp" hp:hslDur="1000">
+        <p:fade/>
+      </p:transition>
+    </mc:Fallback>
+  </mc:AlternateContent>
   <p:timing>
     <p:tnLst>
       <p:par>
@@ -15771,44 +16034,44 @@
 </file>
 
 <file path=ppt/theme/theme1.xml><?xml version="1.0" encoding="utf-8"?>
-<a:theme xmlns:a="http://schemas.openxmlformats.org/drawingml/2006/main" name="1_Office 테마">
+<a:theme xmlns:r="http://schemas.openxmlformats.org/officeDocument/2006/relationships" xmlns:c="http://schemas.openxmlformats.org/drawingml/2006/chart" xmlns:dgm="http://schemas.openxmlformats.org/drawingml/2006/diagram" xmlns:dsp="http://schemas.microsoft.com/office/drawing/2008/diagram" xmlns:a="http://schemas.openxmlformats.org/drawingml/2006/main" xmlns:pic="http://schemas.openxmlformats.org/drawingml/2006/picture" xmlns:wp="http://schemas.openxmlformats.org/drawingml/2006/wordprocessingDrawing" xmlns:xdr="http://schemas.openxmlformats.org/drawingml/2006/spreadsheetDrawing" xmlns:lc="http://schemas.openxmlformats.org/drawingml/2006/lockedCanvas" xmlns:p="http://schemas.openxmlformats.org/presentationml/2006/main" name="1_Office 테마">
   <a:themeElements>
     <a:clrScheme name="Office">
       <a:dk1>
         <a:sysClr val="windowText" lastClr="000000"/>
       </a:dk1>
       <a:lt1>
-        <a:sysClr val="window" lastClr="FFFFFF"/>
+        <a:sysClr val="window" lastClr="ffffff"/>
       </a:lt1>
       <a:dk2>
-        <a:srgbClr val="44546A"/>
+        <a:srgbClr val="44546a"/>
       </a:dk2>
       <a:lt2>
-        <a:srgbClr val="E7E6E6"/>
+        <a:srgbClr val="e7e6e6"/>
       </a:lt2>
       <a:accent1>
-        <a:srgbClr val="4472C4"/>
+        <a:srgbClr val="4472c4"/>
       </a:accent1>
       <a:accent2>
-        <a:srgbClr val="ED7D31"/>
+        <a:srgbClr val="ed7d31"/>
       </a:accent2>
       <a:accent3>
-        <a:srgbClr val="A5A5A5"/>
+        <a:srgbClr val="a5a5a5"/>
       </a:accent3>
       <a:accent4>
-        <a:srgbClr val="FFC000"/>
+        <a:srgbClr val="ffc000"/>
       </a:accent4>
       <a:accent5>
-        <a:srgbClr val="5B9BD5"/>
+        <a:srgbClr val="5b9bd5"/>
       </a:accent5>
       <a:accent6>
-        <a:srgbClr val="70AD47"/>
+        <a:srgbClr val="70ad47"/>
       </a:accent6>
       <a:hlink>
-        <a:srgbClr val="0563C1"/>
+        <a:srgbClr val="0563c1"/>
       </a:hlink>
       <a:folHlink>
-        <a:srgbClr val="954F72"/>
+        <a:srgbClr val="954f72"/>
       </a:folHlink>
     </a:clrScheme>
     <a:fontScheme name="Office">
@@ -15816,7 +16079,7 @@
         <a:latin typeface="맑은 고딕" panose="020F0302020204030204"/>
         <a:ea typeface=""/>
         <a:cs typeface=""/>
-        <a:font script="Jpan" typeface="游ゴシック Light"/>
+        <a:font script="Jpan" typeface="Yu Gothic Light"/>
         <a:font script="Hang" typeface="맑은 고딕"/>
         <a:font script="Hans" typeface="等线 Light"/>
         <a:font script="Hant" typeface="新細明體"/>
@@ -15868,7 +16131,7 @@
         <a:latin typeface="맑은 고딕" panose="020F0502020204030204"/>
         <a:ea typeface=""/>
         <a:cs typeface=""/>
-        <a:font script="Jpan" typeface="游ゴシック"/>
+        <a:font script="Jpan" typeface="Yu Gothic"/>
         <a:font script="Hang" typeface="맑은 고딕"/>
         <a:font script="Hans" typeface="等线"/>
         <a:font script="Hant" typeface="新細明體"/>
@@ -15981,21 +16244,21 @@
             <a:schemeClr val="phClr"/>
           </a:solidFill>
           <a:prstDash val="solid"/>
-          <a:miter lim="800000"/>
+          <a:miter/>
         </a:ln>
         <a:ln w="12700" cap="flat" cmpd="sng" algn="ctr">
           <a:solidFill>
             <a:schemeClr val="phClr"/>
           </a:solidFill>
           <a:prstDash val="solid"/>
-          <a:miter lim="800000"/>
+          <a:miter/>
         </a:ln>
         <a:ln w="19050" cap="flat" cmpd="sng" algn="ctr">
           <a:solidFill>
             <a:schemeClr val="phClr"/>
           </a:solidFill>
           <a:prstDash val="solid"/>
-          <a:miter lim="800000"/>
+          <a:miter/>
         </a:ln>
       </a:lnStyleLst>
       <a:effectStyleLst>
@@ -16055,55 +16318,48 @@
       </a:bgFillStyleLst>
     </a:fmtScheme>
   </a:themeElements>
-  <a:objectDefaults/>
-  <a:extraClrSchemeLst/>
-  <a:extLst>
-    <a:ext uri="{05A4C25C-085E-4340-85A3-A5531E510DB2}">
-      <thm15:themeFamily xmlns:thm15="http://schemas.microsoft.com/office/thememl/2012/main" name="Office Theme" id="{62F939B6-93AF-4DB8-9C6B-D6C7DFDC589F}" vid="{4A3C46E8-61CC-4603-A589-7422A47A8E4A}"/>
-    </a:ext>
-  </a:extLst>
 </a:theme>
 </file>
 
 <file path=ppt/theme/theme2.xml><?xml version="1.0" encoding="utf-8"?>
-<a:theme xmlns:a="http://schemas.openxmlformats.org/drawingml/2006/main" name="Office 테마">
+<a:theme xmlns:r="http://schemas.openxmlformats.org/officeDocument/2006/relationships" xmlns:c="http://schemas.openxmlformats.org/drawingml/2006/chart" xmlns:dgm="http://schemas.openxmlformats.org/drawingml/2006/diagram" xmlns:dsp="http://schemas.microsoft.com/office/drawing/2008/diagram" xmlns:a="http://schemas.openxmlformats.org/drawingml/2006/main" xmlns:pic="http://schemas.openxmlformats.org/drawingml/2006/picture" xmlns:wp="http://schemas.openxmlformats.org/drawingml/2006/wordprocessingDrawing" xmlns:xdr="http://schemas.openxmlformats.org/drawingml/2006/spreadsheetDrawing" xmlns:lc="http://schemas.openxmlformats.org/drawingml/2006/lockedCanvas" xmlns:p="http://schemas.openxmlformats.org/presentationml/2006/main" name="Office 테마">
   <a:themeElements>
     <a:clrScheme name="Office">
       <a:dk1>
         <a:sysClr val="windowText" lastClr="000000"/>
       </a:dk1>
       <a:lt1>
-        <a:sysClr val="window" lastClr="FFFFFF"/>
+        <a:sysClr val="window" lastClr="ffffff"/>
       </a:lt1>
       <a:dk2>
-        <a:srgbClr val="44546A"/>
+        <a:srgbClr val="44546a"/>
       </a:dk2>
       <a:lt2>
-        <a:srgbClr val="E7E6E6"/>
+        <a:srgbClr val="e7e6e6"/>
       </a:lt2>
       <a:accent1>
-        <a:srgbClr val="5B9BD5"/>
+        <a:srgbClr val="5b9bd5"/>
       </a:accent1>
       <a:accent2>
-        <a:srgbClr val="ED7D31"/>
+        <a:srgbClr val="ed7d31"/>
       </a:accent2>
       <a:accent3>
-        <a:srgbClr val="A5A5A5"/>
+        <a:srgbClr val="a5a5a5"/>
       </a:accent3>
       <a:accent4>
-        <a:srgbClr val="FFC000"/>
+        <a:srgbClr val="ffc000"/>
       </a:accent4>
       <a:accent5>
-        <a:srgbClr val="4472C4"/>
+        <a:srgbClr val="4472c4"/>
       </a:accent5>
       <a:accent6>
-        <a:srgbClr val="70AD47"/>
+        <a:srgbClr val="70ad47"/>
       </a:accent6>
       <a:hlink>
-        <a:srgbClr val="0563C1"/>
+        <a:srgbClr val="0563c1"/>
       </a:hlink>
       <a:folHlink>
-        <a:srgbClr val="954F72"/>
+        <a:srgbClr val="954f72"/>
       </a:folHlink>
     </a:clrScheme>
     <a:fontScheme name="Office">
@@ -16111,7 +16367,7 @@
         <a:latin typeface="맑은 고딕" panose="020F0302020204030204"/>
         <a:ea typeface=""/>
         <a:cs typeface=""/>
-        <a:font script="Jpan" typeface="游ゴシック Light"/>
+        <a:font script="Jpan" typeface="Yu Gothic Light"/>
         <a:font script="Hang" typeface="맑은 고딕"/>
         <a:font script="Hans" typeface="等线 Light"/>
         <a:font script="Hant" typeface="新細明體"/>
@@ -16146,7 +16402,7 @@
         <a:latin typeface="맑은 고딕" panose="020F0502020204030204"/>
         <a:ea typeface=""/>
         <a:cs typeface=""/>
-        <a:font script="Jpan" typeface="游ゴシック"/>
+        <a:font script="Jpan" typeface="Yu Gothic"/>
         <a:font script="Hang" typeface="맑은 고딕"/>
         <a:font script="Hans" typeface="等线"/>
         <a:font script="Hant" typeface="新細明體"/>
@@ -16242,21 +16498,21 @@
             <a:schemeClr val="phClr"/>
           </a:solidFill>
           <a:prstDash val="solid"/>
-          <a:miter lim="800000"/>
+          <a:miter/>
         </a:ln>
         <a:ln w="12700" cap="flat" cmpd="sng" algn="ctr">
           <a:solidFill>
             <a:schemeClr val="phClr"/>
           </a:solidFill>
           <a:prstDash val="solid"/>
-          <a:miter lim="800000"/>
+          <a:miter/>
         </a:ln>
         <a:ln w="19050" cap="flat" cmpd="sng" algn="ctr">
           <a:solidFill>
             <a:schemeClr val="phClr"/>
           </a:solidFill>
           <a:prstDash val="solid"/>
-          <a:miter lim="800000"/>
+          <a:miter/>
         </a:ln>
       </a:lnStyleLst>
       <a:effectStyleLst>
@@ -16316,12 +16572,5 @@
       </a:bgFillStyleLst>
     </a:fmtScheme>
   </a:themeElements>
-  <a:objectDefaults/>
-  <a:extraClrSchemeLst/>
-  <a:extLst>
-    <a:ext uri="{05A4C25C-085E-4340-85A3-A5531E510DB2}">
-      <thm15:themeFamily xmlns:thm15="http://schemas.microsoft.com/office/thememl/2012/main" name="Office Theme" id="{62F939B6-93AF-4DB8-9C6B-D6C7DFDC589F}" vid="{4A3C46E8-61CC-4603-A589-7422A47A8E4A}"/>
-    </a:ext>
-  </a:extLst>
 </a:theme>
 </file>
--- a/cloud_ppt.pptx
+++ b/cloud_ppt.pptx
@@ -2,7 +2,7 @@
 <file path=ppt/presentation.xml><?xml version="1.0" encoding="utf-8"?>
 <p:presentation xmlns:r="http://schemas.openxmlformats.org/officeDocument/2006/relationships" xmlns:c="http://schemas.openxmlformats.org/drawingml/2006/chart" xmlns:a="http://schemas.openxmlformats.org/drawingml/2006/main" xmlns:dgm="http://schemas.openxmlformats.org/drawingml/2006/diagram" xmlns:dsp="http://schemas.microsoft.com/office/drawing/2008/diagram" xmlns:p="http://schemas.openxmlformats.org/presentationml/2006/main">
   <p:sldMasterIdLst>
-    <p:sldMasterId id="2147483672" r:id="rId1"/>
+    <p:sldMasterId id="2147483676" r:id="rId1"/>
   </p:sldMasterIdLst>
   <p:notesMasterIdLst>
     <p:notesMasterId r:id="rId2"/>
@@ -682,11 +682,15 @@
             </a:pPr>
             <a:r>
               <a:rPr lang="ko-KR" altLang="en-US"/>
-              <a:t>저희가 구현을 목표로 한 기능은 이와 같은데</a:t>
+              <a:t>저희가 이렇게 서비스 목표를 세워봤었는데요</a:t>
             </a:r>
             <a:r>
               <a:rPr lang="en-US" altLang="ko-KR"/>
               <a:t>,</a:t>
+            </a:r>
+            <a:r>
+              <a:rPr lang="ko-KR" altLang="en-US"/>
+              <a:t> 이 중에서도 유저의 취향에 따른</a:t>
             </a:r>
             <a:r>
               <a:rPr lang="en-US" altLang="ko-KR" baseline="0"/>
@@ -694,15 +698,15 @@
             </a:r>
             <a:r>
               <a:rPr lang="ko-KR" altLang="en-US" baseline="0"/>
-              <a:t>장르 데이터 기반 추천 영화 디스플레이와 다크모드</a:t>
+              <a:t>최애장르 기반 영화추천과</a:t>
             </a:r>
             <a:r>
               <a:rPr lang="en-US" altLang="ko-KR" baseline="0"/>
-              <a:t>, </a:t>
+              <a:t> </a:t>
             </a:r>
             <a:r>
               <a:rPr lang="ko-KR" altLang="en-US" baseline="0"/>
-              <a:t>매칭 서비스 구현이 </a:t>
+              <a:t>취향이 맞는 유저들 끼리의 매칭 서비스 구현이 </a:t>
             </a:r>
             <a:r>
               <a:rPr lang="en-US" altLang="ko-KR" baseline="0"/>
@@ -716,7 +720,7 @@
               <a:rPr lang="en-US" altLang="ko-KR" baseline="0"/>
               <a:t>.</a:t>
             </a:r>
-            <a:endParaRPr lang="ko-KR" altLang="en-US"/>
+            <a:endParaRPr lang="en-US" altLang="ko-KR" baseline="0"/>
           </a:p>
         </p:txBody>
       </p:sp>
@@ -836,15 +840,15 @@
             </a:r>
             <a:r>
               <a:rPr lang="ko-KR" altLang="en-US"/>
-              <a:t>백과 프론트로 나누어 하려고 했었지만 저희 둘다 어느</a:t>
+              <a:t>백과 프론트로 나누어 하려고 했었지만 </a:t>
             </a:r>
             <a:r>
               <a:rPr lang="ko-KR" altLang="en-US" baseline="0"/>
-              <a:t> 한쪽으로 특화되어있지가 않아서</a:t>
+              <a:t>배운 것들을 직접 체험하기 위해 따로 구분을 두지 않고</a:t>
             </a:r>
             <a:r>
               <a:rPr lang="en-US" altLang="ko-KR" baseline="0"/>
-              <a:t>, </a:t>
+              <a:t> </a:t>
             </a:r>
             <a:r>
               <a:rPr lang="ko-KR" altLang="en-US" baseline="0"/>
@@ -878,7 +882,7 @@
               <a:rPr lang="en-US" altLang="ko-KR" baseline="0"/>
               <a:t>.</a:t>
             </a:r>
-            <a:endParaRPr lang="ko-KR" altLang="en-US"/>
+            <a:endParaRPr lang="en-US" altLang="ko-KR" baseline="0"/>
           </a:p>
         </p:txBody>
       </p:sp>
@@ -1102,103 +1106,7 @@
             </a:pPr>
             <a:r>
               <a:rPr lang="ko-KR" altLang="en-US"/>
-              <a:t>우리조의 서비스목표는 ~~~~이다.</a:t>
-            </a:r>
-            <a:endParaRPr lang="ko-KR" altLang="en-US"/>
-          </a:p>
-          <a:p>
-            <a:pPr>
-              <a:defRPr/>
-            </a:pPr>
-            <a:endParaRPr lang="ko-KR" altLang="en-US"/>
-          </a:p>
-          <a:p>
-            <a:pPr>
-              <a:defRPr/>
-            </a:pPr>
-            <a:r>
-              <a:rPr lang="ko-KR" altLang="en-US"/>
-              <a:t>figma사진 보여주면서 &gt; 의견을 나누면서 이런식으로 초기 구상을 먼저 해놓았다.</a:t>
-            </a:r>
-            <a:endParaRPr lang="ko-KR" altLang="en-US"/>
-          </a:p>
-          <a:p>
-            <a:pPr>
-              <a:defRPr/>
-            </a:pPr>
-            <a:endParaRPr lang="ko-KR" altLang="en-US"/>
-          </a:p>
-          <a:p>
-            <a:pPr>
-              <a:defRPr/>
-            </a:pPr>
-            <a:r>
-              <a:rPr lang="ko-KR" altLang="en-US"/>
-              <a:t>front와 back으로 작업영역을 나눌까 했었지만, 배운 것들을 직접 체험해보기 위해 영역에 구분을 두지 않고 함께 작업하기로 결정했고, figma에 계획한 내용을 토대로 하나씩 맡아 해결하면서 서로가 driver이자 동시에 navigator가 되어 작업했다.</a:t>
-            </a:r>
-            <a:endParaRPr lang="ko-KR" altLang="en-US"/>
-          </a:p>
-          <a:p>
-            <a:pPr>
-              <a:defRPr/>
-            </a:pPr>
-            <a:endParaRPr lang="ko-KR" altLang="en-US"/>
-          </a:p>
-          <a:p>
-            <a:pPr>
-              <a:defRPr/>
-            </a:pPr>
-            <a:r>
-              <a:rPr lang="ko-KR" altLang="en-US"/>
-              <a:t>그러다보니 작업 영역이 계속 겹치게 되기 때문에 한시간마다 진행 상황과 의견 교환을 통한 피드백을 실시하여 예기치 못한 문제가 생기는 상황을 최대한 미연에 방지하였다.</a:t>
-            </a:r>
-            <a:endParaRPr lang="ko-KR" altLang="en-US"/>
-          </a:p>
-          <a:p>
-            <a:pPr>
-              <a:defRPr/>
-            </a:pPr>
-            <a:endParaRPr lang="ko-KR" altLang="en-US"/>
-          </a:p>
-          <a:p>
-            <a:pPr>
-              <a:defRPr/>
-            </a:pPr>
-            <a:r>
-              <a:rPr lang="ko-KR" altLang="en-US"/>
-              <a:t>페이지별 사진 띄우면서 &gt; 이런 기능들을 구현했다.</a:t>
-            </a:r>
-            <a:endParaRPr lang="ko-KR" altLang="en-US"/>
-          </a:p>
-          <a:p>
-            <a:pPr>
-              <a:defRPr/>
-            </a:pPr>
-            <a:endParaRPr lang="ko-KR" altLang="en-US"/>
-          </a:p>
-          <a:p>
-            <a:pPr>
-              <a:defRPr/>
-            </a:pPr>
-            <a:r>
-              <a:rPr lang="ko-KR" altLang="en-US"/>
-              <a:t>실제 시연 한번 하고</a:t>
-            </a:r>
-            <a:endParaRPr lang="ko-KR" altLang="en-US"/>
-          </a:p>
-          <a:p>
-            <a:pPr>
-              <a:defRPr/>
-            </a:pPr>
-            <a:endParaRPr lang="ko-KR" altLang="en-US"/>
-          </a:p>
-          <a:p>
-            <a:pPr>
-              <a:defRPr/>
-            </a:pPr>
-            <a:r>
-              <a:rPr lang="ko-KR" altLang="en-US"/>
-              <a:t>후기: 처음엔 사실 막막하고 앞이안보였는데 매일 팀원과 자기전까지 의견을 나누면서 열심히 하다보니 어느새 목표했던 기능들을 대부분 구현하게 되었다. 백지부터 시작해서 이정도까지 만들어낼 수 있을 줄 몰랐는데 여기까지 함께 달려준 팀원에게 감사하다. 또한 이번 기회로 ~~~한 것들을 손에 제대로 익혔기때문에 다음 프로젝트는 더 자신감있고 포부있게 도전할 수 있을 것 같다.</a:t>
+              <a:t/>
             </a:r>
             <a:endParaRPr lang="ko-KR" altLang="en-US"/>
           </a:p>
@@ -1228,6 +1136,108 @@
                 <a:defRPr/>
               </a:pPr>
               <a:t>7</a:t>
+            </a:fld>
+            <a:endParaRPr lang="en-US" altLang="en-US"/>
+          </a:p>
+        </p:txBody>
+      </p:sp>
+    </p:spTree>
+  </p:cSld>
+  <p:clrMapOvr>
+    <a:masterClrMapping/>
+  </p:clrMapOvr>
+</p:notes>
+</file>
+
+<file path=ppt/notesSlides/notesSlide6.xml><?xml version="1.0" encoding="utf-8"?>
+<p:notes xmlns:r="http://schemas.openxmlformats.org/officeDocument/2006/relationships" xmlns:c="http://schemas.openxmlformats.org/drawingml/2006/chart" xmlns:a="http://schemas.openxmlformats.org/drawingml/2006/main" xmlns:dgm="http://schemas.openxmlformats.org/drawingml/2006/diagram" xmlns:dsp="http://schemas.microsoft.com/office/drawing/2008/diagram" xmlns:p="http://schemas.openxmlformats.org/presentationml/2006/main">
+  <p:cSld>
+    <p:spTree>
+      <p:nvGrpSpPr>
+        <p:cNvPr id="1" name=""/>
+        <p:cNvGrpSpPr/>
+        <p:nvPr/>
+      </p:nvGrpSpPr>
+      <p:grpSpPr>
+        <a:xfrm>
+          <a:off x="0" y="0"/>
+          <a:ext cx="0" cy="0"/>
+          <a:chOff x="0" y="0"/>
+          <a:chExt cx="0" cy="0"/>
+        </a:xfrm>
+      </p:grpSpPr>
+      <p:sp>
+        <p:nvSpPr>
+          <p:cNvPr id="2" name="슬라이드 이미지 개체 틀 3"/>
+          <p:cNvSpPr>
+            <a:spLocks noGrp="1" noRot="1" noChangeAspect="1" noTextEdit="1"/>
+          </p:cNvSpPr>
+          <p:nvPr>
+            <p:ph type="sldImg" idx="2"/>
+          </p:nvPr>
+        </p:nvSpPr>
+        <p:spPr/>
+        <p:txBody>
+          <a:bodyPr/>
+          <a:lstStyle/>
+          <a:p>
+            <a:pPr>
+              <a:defRPr/>
+            </a:pPr>
+            <a:endParaRPr lang="ko-KR" altLang="en-US"/>
+          </a:p>
+        </p:txBody>
+      </p:sp>
+      <p:sp>
+        <p:nvSpPr>
+          <p:cNvPr id="3" name="슬라이드 노트 개체 틀 4"/>
+          <p:cNvSpPr>
+            <a:spLocks noGrp="1"/>
+          </p:cNvSpPr>
+          <p:nvPr>
+            <p:ph type="body" sz="quarter" idx="3"/>
+          </p:nvPr>
+        </p:nvSpPr>
+        <p:spPr/>
+        <p:txBody>
+          <a:bodyPr/>
+          <a:lstStyle/>
+          <a:p>
+            <a:pPr>
+              <a:defRPr/>
+            </a:pPr>
+            <a:r>
+              <a:rPr lang="ko-KR" altLang="en-US"/>
+              <a:t/>
+            </a:r>
+            <a:endParaRPr lang="ko-KR" altLang="en-US"/>
+          </a:p>
+        </p:txBody>
+      </p:sp>
+      <p:sp>
+        <p:nvSpPr>
+          <p:cNvPr id="4" name="슬라이드 번호 개체 틀 6"/>
+          <p:cNvSpPr>
+            <a:spLocks noGrp="1"/>
+          </p:cNvSpPr>
+          <p:nvPr>
+            <p:ph type="sldNum" sz="quarter" idx="5"/>
+          </p:nvPr>
+        </p:nvSpPr>
+        <p:spPr/>
+        <p:txBody>
+          <a:bodyPr/>
+          <a:lstStyle/>
+          <a:p>
+            <a:pPr lvl="0">
+              <a:defRPr/>
+            </a:pPr>
+            <a:fld id="{42EF1EBB-3C09-41B3-A637-715D221F77A2}" type="slidenum">
+              <a:rPr lang="en-US" altLang="en-US"/>
+              <a:pPr lvl="0">
+                <a:defRPr/>
+              </a:pPr>
+              <a:t>8</a:t>
             </a:fld>
             <a:endParaRPr lang="en-US" altLang="en-US"/>
           </a:p>
@@ -8425,7 +8435,7 @@
 </file>
 
 <file path=ppt/slides/slide3.xml><?xml version="1.0" encoding="utf-8"?>
-<p:sld xmlns:a="http://schemas.openxmlformats.org/drawingml/2006/main" xmlns:r="http://schemas.openxmlformats.org/officeDocument/2006/relationships" xmlns:p="http://schemas.openxmlformats.org/presentationml/2006/main">
+<p:sld xmlns:r="http://schemas.openxmlformats.org/officeDocument/2006/relationships" xmlns:c="http://schemas.openxmlformats.org/drawingml/2006/chart" xmlns:a="http://schemas.openxmlformats.org/drawingml/2006/main" xmlns:dgm="http://schemas.openxmlformats.org/drawingml/2006/diagram" xmlns:dsp="http://schemas.microsoft.com/office/drawing/2008/diagram" xmlns:p="http://schemas.openxmlformats.org/presentationml/2006/main">
   <p:cSld>
     <p:spTree>
       <p:nvGrpSpPr>
@@ -8448,7 +8458,7 @@
           <p:nvPr/>
         </p:nvGrpSpPr>
         <p:grpSpPr>
-          <a:xfrm>
+          <a:xfrm rot="0">
             <a:off x="533399" y="-4904"/>
             <a:ext cx="11153775" cy="103594"/>
             <a:chOff x="533399" y="-4904"/>
@@ -8507,7 +8517,7 @@
             </a:fontRef>
           </p:style>
           <p:txBody>
-            <a:bodyPr rtlCol="0" anchor="ctr"/>
+            <a:bodyPr anchor="ctr"/>
             <a:lstStyle/>
             <a:p>
               <a:pPr lvl="3" latinLnBrk="0">
@@ -8516,7 +8526,7 @@
                 </a:lnSpc>
                 <a:defRPr/>
               </a:pPr>
-              <a:endParaRPr lang="en-US" altLang="ko-KR" sz="2800" b="1" i="1" kern="0" dirty="0">
+              <a:endParaRPr lang="en-US" altLang="ko-KR" sz="2800" b="1" i="1" kern="0">
                 <a:solidFill>
                   <a:prstClr val="white">
                     <a:lumMod val="85000"/>
@@ -8575,10 +8585,12 @@
             </a:fontRef>
           </p:style>
           <p:txBody>
-            <a:bodyPr rtlCol="0" anchor="ctr"/>
+            <a:bodyPr anchor="ctr"/>
             <a:lstStyle/>
             <a:p>
-              <a:pPr algn="ctr"/>
+              <a:pPr algn="ctr">
+                <a:defRPr/>
+              </a:pPr>
               <a:endParaRPr lang="ko-KR" altLang="en-US">
                 <a:solidFill>
                   <a:prstClr val="white"/>
@@ -8636,10 +8648,12 @@
             </a:fontRef>
           </p:style>
           <p:txBody>
-            <a:bodyPr rtlCol="0" anchor="ctr"/>
+            <a:bodyPr anchor="ctr"/>
             <a:lstStyle/>
             <a:p>
-              <a:pPr algn="ctr"/>
+              <a:pPr algn="ctr">
+                <a:defRPr/>
+              </a:pPr>
               <a:endParaRPr lang="ko-KR" altLang="en-US">
                 <a:solidFill>
                   <a:prstClr val="white"/>
@@ -8697,10 +8711,12 @@
             </a:fontRef>
           </p:style>
           <p:txBody>
-            <a:bodyPr rtlCol="0" anchor="ctr"/>
+            <a:bodyPr anchor="ctr"/>
             <a:lstStyle/>
             <a:p>
-              <a:pPr algn="ctr"/>
+              <a:pPr algn="ctr">
+                <a:defRPr/>
+              </a:pPr>
               <a:endParaRPr lang="ko-KR" altLang="en-US">
                 <a:solidFill>
                   <a:prstClr val="white"/>
@@ -8758,10 +8774,12 @@
             </a:fontRef>
           </p:style>
           <p:txBody>
-            <a:bodyPr rtlCol="0" anchor="ctr"/>
+            <a:bodyPr anchor="ctr"/>
             <a:lstStyle/>
             <a:p>
-              <a:pPr algn="ctr"/>
+              <a:pPr algn="ctr">
+                <a:defRPr/>
+              </a:pPr>
               <a:endParaRPr lang="ko-KR" altLang="en-US">
                 <a:solidFill>
                   <a:prstClr val="white"/>
@@ -8819,10 +8837,12 @@
             </a:fontRef>
           </p:style>
           <p:txBody>
-            <a:bodyPr rtlCol="0" anchor="ctr"/>
+            <a:bodyPr anchor="ctr"/>
             <a:lstStyle/>
             <a:p>
-              <a:pPr algn="ctr"/>
+              <a:pPr algn="ctr">
+                <a:defRPr/>
+              </a:pPr>
               <a:endParaRPr lang="ko-KR" altLang="en-US">
                 <a:solidFill>
                   <a:prstClr val="white"/>
@@ -8880,10 +8900,12 @@
             </a:fontRef>
           </p:style>
           <p:txBody>
-            <a:bodyPr rtlCol="0" anchor="ctr"/>
+            <a:bodyPr anchor="ctr"/>
             <a:lstStyle/>
             <a:p>
-              <a:pPr algn="ctr"/>
+              <a:pPr algn="ctr">
+                <a:defRPr/>
+              </a:pPr>
               <a:endParaRPr lang="ko-KR" altLang="en-US">
                 <a:solidFill>
                   <a:prstClr val="white"/>
@@ -8948,13 +8970,14 @@
           </a:fontRef>
         </p:style>
         <p:txBody>
-          <a:bodyPr rtlCol="0" anchor="ctr"/>
+          <a:bodyPr anchor="ctr"/>
           <a:lstStyle/>
           <a:p>
             <a:pPr marL="342900" indent="-342900">
               <a:buAutoNum type="arabicPeriod"/>
+              <a:defRPr/>
             </a:pPr>
-            <a:endParaRPr lang="ko-KR" altLang="en-US" dirty="0" smtClean="0">
+            <a:endParaRPr lang="ko-KR" altLang="en-US">
               <a:solidFill>
                 <a:prstClr val="white"/>
               </a:solidFill>
@@ -9014,7 +9037,7 @@
           </a:fontRef>
         </p:style>
         <p:txBody>
-          <a:bodyPr rtlCol="0" anchor="ctr"/>
+          <a:bodyPr anchor="ctr"/>
           <a:lstStyle/>
           <a:p>
             <a:pPr lvl="3" latinLnBrk="0">
@@ -9024,7 +9047,7 @@
               <a:defRPr/>
             </a:pPr>
             <a:r>
-              <a:rPr lang="ko-KR" altLang="en-US" sz="2800" b="1" i="1" kern="0" dirty="0" smtClean="0">
+              <a:rPr lang="ko-KR" altLang="en-US" sz="2800" b="1" i="1" kern="0">
                 <a:solidFill>
                   <a:prstClr val="white">
                     <a:lumMod val="85000"/>
@@ -9033,7 +9056,7 @@
               </a:rPr>
               <a:t>서비스 목표</a:t>
             </a:r>
-            <a:endParaRPr lang="en-US" altLang="ko-KR" sz="2800" b="1" i="1" kern="0" dirty="0">
+            <a:endParaRPr lang="en-US" altLang="ko-KR" sz="2800" b="1" i="1" kern="0">
               <a:solidFill>
                 <a:prstClr val="white">
                   <a:lumMod val="85000"/>
@@ -9092,10 +9115,12 @@
           </a:fontRef>
         </p:style>
         <p:txBody>
-          <a:bodyPr rtlCol="0" anchor="ctr"/>
+          <a:bodyPr anchor="ctr"/>
           <a:lstStyle/>
           <a:p>
-            <a:pPr algn="ctr"/>
+            <a:pPr algn="ctr">
+              <a:defRPr/>
+            </a:pPr>
             <a:endParaRPr lang="ko-KR" altLang="en-US">
               <a:solidFill>
                 <a:prstClr val="white"/>
@@ -9153,10 +9178,12 @@
           </a:fontRef>
         </p:style>
         <p:txBody>
-          <a:bodyPr rtlCol="0" anchor="ctr"/>
+          <a:bodyPr anchor="ctr"/>
           <a:lstStyle/>
           <a:p>
-            <a:pPr algn="ctr"/>
+            <a:pPr algn="ctr">
+              <a:defRPr/>
+            </a:pPr>
             <a:endParaRPr lang="ko-KR" altLang="en-US">
               <a:solidFill>
                 <a:prstClr val="white"/>
@@ -9214,10 +9241,12 @@
           </a:fontRef>
         </p:style>
         <p:txBody>
-          <a:bodyPr rtlCol="0" anchor="ctr"/>
+          <a:bodyPr anchor="ctr"/>
           <a:lstStyle/>
           <a:p>
-            <a:pPr algn="ctr"/>
+            <a:pPr algn="ctr">
+              <a:defRPr/>
+            </a:pPr>
             <a:endParaRPr lang="ko-KR" altLang="en-US">
               <a:solidFill>
                 <a:prstClr val="white"/>
@@ -9275,10 +9304,12 @@
           </a:fontRef>
         </p:style>
         <p:txBody>
-          <a:bodyPr rtlCol="0" anchor="ctr"/>
+          <a:bodyPr anchor="ctr"/>
           <a:lstStyle/>
           <a:p>
-            <a:pPr algn="ctr"/>
+            <a:pPr algn="ctr">
+              <a:defRPr/>
+            </a:pPr>
             <a:endParaRPr lang="ko-KR" altLang="en-US">
               <a:solidFill>
                 <a:prstClr val="white"/>
@@ -9336,10 +9367,12 @@
           </a:fontRef>
         </p:style>
         <p:txBody>
-          <a:bodyPr rtlCol="0" anchor="ctr"/>
+          <a:bodyPr anchor="ctr"/>
           <a:lstStyle/>
           <a:p>
-            <a:pPr algn="ctr"/>
+            <a:pPr algn="ctr">
+              <a:defRPr/>
+            </a:pPr>
             <a:endParaRPr lang="ko-KR" altLang="en-US">
               <a:solidFill>
                 <a:prstClr val="white"/>
@@ -9397,10 +9430,12 @@
           </a:fontRef>
         </p:style>
         <p:txBody>
-          <a:bodyPr rtlCol="0" anchor="ctr"/>
+          <a:bodyPr anchor="ctr"/>
           <a:lstStyle/>
           <a:p>
-            <a:pPr algn="ctr"/>
+            <a:pPr algn="ctr">
+              <a:defRPr/>
+            </a:pPr>
             <a:endParaRPr lang="ko-KR" altLang="en-US">
               <a:solidFill>
                 <a:prstClr val="white"/>
@@ -9454,10 +9489,12 @@
           </a:fontRef>
         </p:style>
         <p:txBody>
-          <a:bodyPr rtlCol="0" anchor="ctr"/>
+          <a:bodyPr anchor="ctr"/>
           <a:lstStyle/>
           <a:p>
-            <a:pPr algn="ctr"/>
+            <a:pPr algn="ctr">
+              <a:defRPr/>
+            </a:pPr>
             <a:endParaRPr lang="ko-KR" altLang="en-US">
               <a:solidFill>
                 <a:prstClr val="white"/>
@@ -9513,10 +9550,12 @@
           </a:fontRef>
         </p:style>
         <p:txBody>
-          <a:bodyPr rtlCol="0" anchor="ctr"/>
+          <a:bodyPr anchor="ctr"/>
           <a:lstStyle/>
           <a:p>
-            <a:pPr algn="ctr"/>
+            <a:pPr algn="ctr">
+              <a:defRPr/>
+            </a:pPr>
             <a:endParaRPr lang="ko-KR" altLang="en-US">
               <a:solidFill>
                 <a:prstClr val="white"/>
@@ -9572,10 +9611,12 @@
           </a:fontRef>
         </p:style>
         <p:txBody>
-          <a:bodyPr rtlCol="0" anchor="ctr"/>
+          <a:bodyPr anchor="ctr"/>
           <a:lstStyle/>
           <a:p>
-            <a:pPr algn="ctr"/>
+            <a:pPr algn="ctr">
+              <a:defRPr/>
+            </a:pPr>
             <a:endParaRPr lang="ko-KR" altLang="en-US">
               <a:solidFill>
                 <a:prstClr val="white"/>
@@ -9592,8 +9633,8 @@
         </p:nvSpPr>
         <p:spPr>
           <a:xfrm>
-            <a:off x="1486921" y="1797364"/>
-            <a:ext cx="9151481" cy="3139321"/>
+            <a:off x="814568" y="1797363"/>
+            <a:ext cx="10608248" cy="3782381"/>
           </a:xfrm>
           <a:prstGeom prst="rect">
             <a:avLst/>
@@ -9601,7 +9642,7 @@
           <a:noFill/>
         </p:spPr>
         <p:txBody>
-          <a:bodyPr wrap="square" rtlCol="0">
+          <a:bodyPr wrap="square">
             <a:spAutoFit/>
           </a:bodyPr>
           <a:lstStyle/>
@@ -9611,9 +9652,10 @@
                 <a:spcPct val="200000"/>
               </a:lnSpc>
               <a:buAutoNum type="arabicPeriod"/>
+              <a:defRPr/>
             </a:pPr>
             <a:r>
-              <a:rPr lang="en-US" altLang="ko-KR" b="1" dirty="0">
+              <a:rPr lang="en-US" altLang="ko-KR" sz="2200" b="1">
                 <a:solidFill>
                   <a:prstClr val="white"/>
                 </a:solidFill>
@@ -9621,7 +9663,7 @@
               <a:t>DB </a:t>
             </a:r>
             <a:r>
-              <a:rPr lang="ko-KR" altLang="en-US" b="1" dirty="0">
+              <a:rPr lang="ko-KR" altLang="en-US" sz="2200" b="1">
                 <a:solidFill>
                   <a:prstClr val="white"/>
                 </a:solidFill>
@@ -9629,7 +9671,7 @@
               <a:t>데이터와 </a:t>
             </a:r>
             <a:r>
-              <a:rPr lang="en-US" altLang="ko-KR" b="1" dirty="0" err="1">
+              <a:rPr lang="en-US" altLang="ko-KR" sz="2200" b="1">
                 <a:solidFill>
                   <a:prstClr val="white"/>
                 </a:solidFill>
@@ -9637,29 +9679,26 @@
               <a:t>api</a:t>
             </a:r>
             <a:r>
-              <a:rPr lang="ko-KR" altLang="en-US" b="1" dirty="0" err="1">
+              <a:rPr lang="ko-KR" altLang="en-US" sz="2200" b="1">
                 <a:solidFill>
                   <a:prstClr val="white"/>
                 </a:solidFill>
               </a:rPr>
-              <a:t>를</a:t>
+              <a:t>를 활용한 실시간 영화 정보 </a:t>
             </a:r>
             <a:r>
-              <a:rPr lang="ko-KR" altLang="en-US" b="1" dirty="0">
-                <a:solidFill>
-                  <a:prstClr val="white"/>
-                </a:solidFill>
-              </a:rPr>
-              <a:t> 활용한 실시간 영화 정보 </a:t>
-            </a:r>
-            <a:r>
-              <a:rPr lang="en-US" altLang="ko-KR" b="1" dirty="0">
+              <a:rPr lang="en-US" altLang="ko-KR" sz="2200" b="1">
                 <a:solidFill>
                   <a:prstClr val="white"/>
                 </a:solidFill>
               </a:rPr>
               <a:t>display</a:t>
             </a:r>
+            <a:endParaRPr lang="en-US" altLang="ko-KR" sz="2200" b="1">
+              <a:solidFill>
+                <a:prstClr val="white"/>
+              </a:solidFill>
+            </a:endParaRPr>
           </a:p>
           <a:p>
             <a:pPr marL="342900" indent="-342900">
@@ -9667,39 +9706,29 @@
                 <a:spcPct val="200000"/>
               </a:lnSpc>
               <a:buAutoNum type="arabicPeriod"/>
+              <a:defRPr/>
             </a:pPr>
             <a:r>
-              <a:rPr lang="ko-KR" altLang="en-US" b="1" dirty="0">
+              <a:rPr lang="ko-KR" altLang="en-US" sz="2200" b="1">
                 <a:solidFill>
                   <a:prstClr val="white"/>
                 </a:solidFill>
               </a:rPr>
-              <a:t>개인이 좋아하는 영화들의 장르 데이터를 기반으로 </a:t>
+              <a:t>개인이 좋아하는 영화들의 장르 데이터를 기반으로 유저별 추천 영화를 </a:t>
             </a:r>
             <a:r>
-              <a:rPr lang="ko-KR" altLang="en-US" b="1" dirty="0" err="1">
-                <a:solidFill>
-                  <a:prstClr val="white"/>
-                </a:solidFill>
-              </a:rPr>
-              <a:t>유저별</a:t>
-            </a:r>
-            <a:r>
-              <a:rPr lang="ko-KR" altLang="en-US" b="1" dirty="0">
-                <a:solidFill>
-                  <a:prstClr val="white"/>
-                </a:solidFill>
-              </a:rPr>
-              <a:t> 추천 영화를 </a:t>
-            </a:r>
-            <a:r>
-              <a:rPr lang="en-US" altLang="ko-KR" b="1" dirty="0">
+              <a:rPr lang="en-US" altLang="ko-KR" sz="2200" b="1">
                 <a:solidFill>
                   <a:prstClr val="white"/>
                 </a:solidFill>
               </a:rPr>
               <a:t>display</a:t>
             </a:r>
+            <a:endParaRPr lang="en-US" altLang="ko-KR" sz="2200" b="1">
+              <a:solidFill>
+                <a:prstClr val="white"/>
+              </a:solidFill>
+            </a:endParaRPr>
           </a:p>
           <a:p>
             <a:pPr marL="342900" indent="-342900">
@@ -9708,9 +9737,10 @@
               </a:lnSpc>
               <a:buFontTx/>
               <a:buAutoNum type="arabicPeriod"/>
+              <a:defRPr/>
             </a:pPr>
             <a:r>
-              <a:rPr lang="ko-KR" altLang="en-US" b="1" dirty="0">
+              <a:rPr lang="ko-KR" altLang="en-US" sz="2200" b="1">
                 <a:solidFill>
                   <a:prstClr val="white"/>
                 </a:solidFill>
@@ -9718,7 +9748,7 @@
               <a:t>유저들 끼리 자유롭게 소통할 수 있는 </a:t>
             </a:r>
             <a:r>
-              <a:rPr lang="en-US" altLang="ko-KR" b="1" dirty="0">
+              <a:rPr lang="en-US" altLang="ko-KR" sz="2200" b="1">
                 <a:solidFill>
                   <a:prstClr val="white"/>
                 </a:solidFill>
@@ -9726,14 +9756,14 @@
               <a:t>community </a:t>
             </a:r>
             <a:r>
-              <a:rPr lang="ko-KR" altLang="en-US" b="1" dirty="0">
+              <a:rPr lang="ko-KR" altLang="en-US" sz="2200" b="1">
                 <a:solidFill>
                   <a:prstClr val="white"/>
                 </a:solidFill>
               </a:rPr>
               <a:t>공간 구현</a:t>
             </a:r>
-            <a:endParaRPr lang="en-US" altLang="ko-KR" b="1" dirty="0">
+            <a:endParaRPr lang="ko-KR" altLang="en-US" sz="2200" b="1">
               <a:solidFill>
                 <a:prstClr val="white"/>
               </a:solidFill>
@@ -9746,16 +9776,17 @@
               </a:lnSpc>
               <a:buFontTx/>
               <a:buAutoNum type="arabicPeriod"/>
+              <a:defRPr/>
             </a:pPr>
             <a:r>
-              <a:rPr lang="ko-KR" altLang="en-US" b="1" dirty="0">
+              <a:rPr lang="ko-KR" altLang="en-US" sz="2200" b="1">
                 <a:solidFill>
                   <a:prstClr val="white"/>
                 </a:solidFill>
               </a:rPr>
               <a:t>원하는 영화 정보 검색 기능 구현</a:t>
             </a:r>
-            <a:endParaRPr lang="en-US" altLang="ko-KR" b="1" dirty="0">
+            <a:endParaRPr lang="ko-KR" altLang="en-US" sz="2200" b="1">
               <a:solidFill>
                 <a:prstClr val="white"/>
               </a:solidFill>
@@ -9768,42 +9799,47 @@
               </a:lnSpc>
               <a:buFontTx/>
               <a:buAutoNum type="arabicPeriod"/>
+              <a:defRPr/>
             </a:pPr>
             <a:r>
-              <a:rPr lang="ko-KR" altLang="en-US" b="1" dirty="0" smtClean="0">
+              <a:rPr lang="ko-KR" altLang="en-US" sz="2200" b="1">
                 <a:solidFill>
                   <a:prstClr val="white"/>
                 </a:solidFill>
               </a:rPr>
-              <a:t>같은 </a:t>
+              <a:t>같은 장르를 선호하는 유저들 끼리 매칭해주는 서비스 구현</a:t>
             </a:r>
-            <a:r>
-              <a:rPr lang="ko-KR" altLang="en-US" b="1" dirty="0">
-                <a:solidFill>
-                  <a:prstClr val="white"/>
-                </a:solidFill>
-              </a:rPr>
-              <a:t>장르를 선호하는 유저들 끼리 매칭해주는 서비스 구현</a:t>
-            </a:r>
-          </a:p>
-          <a:p>
-            <a:endParaRPr lang="ko-KR" altLang="en-US" dirty="0"/>
+            <a:endParaRPr lang="ko-KR" altLang="en-US" sz="2200" b="1">
+              <a:solidFill>
+                <a:prstClr val="white"/>
+              </a:solidFill>
+            </a:endParaRPr>
+          </a:p>
+          <a:p>
+            <a:pPr lvl="0">
+              <a:defRPr/>
+            </a:pPr>
+            <a:endParaRPr lang="ko-KR" altLang="en-US" sz="2200"/>
           </a:p>
         </p:txBody>
       </p:sp>
     </p:spTree>
-    <p:extLst>
-      <p:ext uri="{BB962C8B-B14F-4D97-AF65-F5344CB8AC3E}">
-        <p14:creationId xmlns:p14="http://schemas.microsoft.com/office/powerpoint/2010/main" val="1368675078"/>
-      </p:ext>
-    </p:extLst>
   </p:cSld>
   <p:clrMapOvr>
     <a:masterClrMapping/>
   </p:clrMapOvr>
-  <p:transition spd="slow">
-    <p:push dir="d"/>
-  </p:transition>
+  <mc:AlternateContent xmlns:mc="http://schemas.openxmlformats.org/markup-compatibility/2006">
+    <mc:Choice xmlns:p14="http://schemas.microsoft.com/office/powerpoint/2010/main" Requires="p14">
+      <p:transition xmlns:mc="http://schemas.openxmlformats.org/markup-compatibility/2006" xmlns:p14="http://schemas.microsoft.com/office/powerpoint/2010/main" spd="med" mc:Ignorable="p14" p14:dur="1000">
+        <p:push dir="d"/>
+      </p:transition>
+    </mc:Choice>
+    <mc:Fallback>
+      <p:transition xmlns:mc="http://schemas.openxmlformats.org/markup-compatibility/2006" xmlns:hp="http://schemas.haansoft.com/office/presentation/8.0" spd="med" mc:Ignorable="hp" hp:hslDur="1000">
+        <p:fade/>
+      </p:transition>
+    </mc:Fallback>
+  </mc:AlternateContent>
   <p:timing>
     <p:tnLst>
       <p:par>
@@ -14853,7 +14889,7 @@
 </file>
 
 <file path=ppt/slides/slide8.xml><?xml version="1.0" encoding="utf-8"?>
-<p:sld xmlns:a="http://schemas.openxmlformats.org/drawingml/2006/main" xmlns:r="http://schemas.openxmlformats.org/officeDocument/2006/relationships" xmlns:p="http://schemas.openxmlformats.org/presentationml/2006/main">
+<p:sld xmlns:r="http://schemas.openxmlformats.org/officeDocument/2006/relationships" xmlns:c="http://schemas.openxmlformats.org/drawingml/2006/chart" xmlns:a="http://schemas.openxmlformats.org/drawingml/2006/main" xmlns:dgm="http://schemas.openxmlformats.org/drawingml/2006/diagram" xmlns:dsp="http://schemas.microsoft.com/office/drawing/2008/diagram" xmlns:p="http://schemas.openxmlformats.org/presentationml/2006/main">
   <p:cSld>
     <p:spTree>
       <p:nvGrpSpPr>
@@ -14876,7 +14912,7 @@
           <p:nvPr/>
         </p:nvGrpSpPr>
         <p:grpSpPr>
-          <a:xfrm>
+          <a:xfrm rot="0">
             <a:off x="533399" y="-4904"/>
             <a:ext cx="11153775" cy="103594"/>
             <a:chOff x="533399" y="-4904"/>
@@ -14935,7 +14971,7 @@
             </a:fontRef>
           </p:style>
           <p:txBody>
-            <a:bodyPr rtlCol="0" anchor="ctr"/>
+            <a:bodyPr anchor="ctr"/>
             <a:lstStyle/>
             <a:p>
               <a:pPr lvl="3" latinLnBrk="0">
@@ -14944,7 +14980,7 @@
                 </a:lnSpc>
                 <a:defRPr/>
               </a:pPr>
-              <a:endParaRPr lang="en-US" altLang="ko-KR" sz="2800" b="1" i="1" kern="0" dirty="0">
+              <a:endParaRPr lang="en-US" altLang="ko-KR" sz="2800" b="1" i="1" kern="0">
                 <a:solidFill>
                   <a:prstClr val="white">
                     <a:lumMod val="85000"/>
@@ -15003,10 +15039,12 @@
             </a:fontRef>
           </p:style>
           <p:txBody>
-            <a:bodyPr rtlCol="0" anchor="ctr"/>
+            <a:bodyPr anchor="ctr"/>
             <a:lstStyle/>
             <a:p>
-              <a:pPr algn="ctr"/>
+              <a:pPr algn="ctr">
+                <a:defRPr/>
+              </a:pPr>
               <a:endParaRPr lang="ko-KR" altLang="en-US">
                 <a:solidFill>
                   <a:prstClr val="white"/>
@@ -15064,10 +15102,12 @@
             </a:fontRef>
           </p:style>
           <p:txBody>
-            <a:bodyPr rtlCol="0" anchor="ctr"/>
+            <a:bodyPr anchor="ctr"/>
             <a:lstStyle/>
             <a:p>
-              <a:pPr algn="ctr"/>
+              <a:pPr algn="ctr">
+                <a:defRPr/>
+              </a:pPr>
               <a:endParaRPr lang="ko-KR" altLang="en-US">
                 <a:solidFill>
                   <a:prstClr val="white"/>
@@ -15125,10 +15165,12 @@
             </a:fontRef>
           </p:style>
           <p:txBody>
-            <a:bodyPr rtlCol="0" anchor="ctr"/>
+            <a:bodyPr anchor="ctr"/>
             <a:lstStyle/>
             <a:p>
-              <a:pPr algn="ctr"/>
+              <a:pPr algn="ctr">
+                <a:defRPr/>
+              </a:pPr>
               <a:endParaRPr lang="ko-KR" altLang="en-US">
                 <a:solidFill>
                   <a:prstClr val="white"/>
@@ -15186,10 +15228,12 @@
             </a:fontRef>
           </p:style>
           <p:txBody>
-            <a:bodyPr rtlCol="0" anchor="ctr"/>
+            <a:bodyPr anchor="ctr"/>
             <a:lstStyle/>
             <a:p>
-              <a:pPr algn="ctr"/>
+              <a:pPr algn="ctr">
+                <a:defRPr/>
+              </a:pPr>
               <a:endParaRPr lang="ko-KR" altLang="en-US">
                 <a:solidFill>
                   <a:prstClr val="white"/>
@@ -15247,10 +15291,12 @@
             </a:fontRef>
           </p:style>
           <p:txBody>
-            <a:bodyPr rtlCol="0" anchor="ctr"/>
+            <a:bodyPr anchor="ctr"/>
             <a:lstStyle/>
             <a:p>
-              <a:pPr algn="ctr"/>
+              <a:pPr algn="ctr">
+                <a:defRPr/>
+              </a:pPr>
               <a:endParaRPr lang="ko-KR" altLang="en-US">
                 <a:solidFill>
                   <a:prstClr val="white"/>
@@ -15308,10 +15354,12 @@
             </a:fontRef>
           </p:style>
           <p:txBody>
-            <a:bodyPr rtlCol="0" anchor="ctr"/>
+            <a:bodyPr anchor="ctr"/>
             <a:lstStyle/>
             <a:p>
-              <a:pPr algn="ctr"/>
+              <a:pPr algn="ctr">
+                <a:defRPr/>
+              </a:pPr>
               <a:endParaRPr lang="ko-KR" altLang="en-US">
                 <a:solidFill>
                   <a:prstClr val="white"/>
@@ -15376,10 +15424,12 @@
           </a:fontRef>
         </p:style>
         <p:txBody>
-          <a:bodyPr rtlCol="0" anchor="ctr"/>
+          <a:bodyPr anchor="ctr"/>
           <a:lstStyle/>
           <a:p>
-            <a:pPr algn="ctr"/>
+            <a:pPr algn="ctr">
+              <a:defRPr/>
+            </a:pPr>
             <a:endParaRPr lang="ko-KR" altLang="en-US">
               <a:solidFill>
                 <a:prstClr val="white"/>
@@ -15440,7 +15490,7 @@
           </a:fontRef>
         </p:style>
         <p:txBody>
-          <a:bodyPr rtlCol="0" anchor="ctr"/>
+          <a:bodyPr anchor="ctr"/>
           <a:lstStyle/>
           <a:p>
             <a:pPr lvl="3" latinLnBrk="0">
@@ -15450,7 +15500,7 @@
               <a:defRPr/>
             </a:pPr>
             <a:r>
-              <a:rPr lang="en-US" altLang="ko-KR" sz="2800" b="1" i="1" kern="0" dirty="0" smtClean="0">
+              <a:rPr lang="en-US" altLang="ko-KR" sz="2800" b="1" i="1" kern="0">
                 <a:solidFill>
                   <a:prstClr val="white">
                     <a:lumMod val="85000"/>
@@ -15459,7 +15509,7 @@
               </a:rPr>
               <a:t>Screen Shots</a:t>
             </a:r>
-            <a:endParaRPr lang="en-US" altLang="ko-KR" sz="2800" b="1" i="1" kern="0" dirty="0">
+            <a:endParaRPr lang="en-US" altLang="ko-KR" sz="2800" b="1" i="1" kern="0">
               <a:solidFill>
                 <a:prstClr val="white">
                   <a:lumMod val="85000"/>
@@ -15518,10 +15568,12 @@
           </a:fontRef>
         </p:style>
         <p:txBody>
-          <a:bodyPr rtlCol="0" anchor="ctr"/>
+          <a:bodyPr anchor="ctr"/>
           <a:lstStyle/>
           <a:p>
-            <a:pPr algn="ctr"/>
+            <a:pPr algn="ctr">
+              <a:defRPr/>
+            </a:pPr>
             <a:endParaRPr lang="ko-KR" altLang="en-US">
               <a:solidFill>
                 <a:prstClr val="white"/>
@@ -15579,10 +15631,12 @@
           </a:fontRef>
         </p:style>
         <p:txBody>
-          <a:bodyPr rtlCol="0" anchor="ctr"/>
+          <a:bodyPr anchor="ctr"/>
           <a:lstStyle/>
           <a:p>
-            <a:pPr algn="ctr"/>
+            <a:pPr algn="ctr">
+              <a:defRPr/>
+            </a:pPr>
             <a:endParaRPr lang="ko-KR" altLang="en-US">
               <a:solidFill>
                 <a:prstClr val="white"/>
@@ -15640,10 +15694,12 @@
           </a:fontRef>
         </p:style>
         <p:txBody>
-          <a:bodyPr rtlCol="0" anchor="ctr"/>
+          <a:bodyPr anchor="ctr"/>
           <a:lstStyle/>
           <a:p>
-            <a:pPr algn="ctr"/>
+            <a:pPr algn="ctr">
+              <a:defRPr/>
+            </a:pPr>
             <a:endParaRPr lang="ko-KR" altLang="en-US">
               <a:solidFill>
                 <a:prstClr val="white"/>
@@ -15701,10 +15757,12 @@
           </a:fontRef>
         </p:style>
         <p:txBody>
-          <a:bodyPr rtlCol="0" anchor="ctr"/>
+          <a:bodyPr anchor="ctr"/>
           <a:lstStyle/>
           <a:p>
-            <a:pPr algn="ctr"/>
+            <a:pPr algn="ctr">
+              <a:defRPr/>
+            </a:pPr>
             <a:endParaRPr lang="ko-KR" altLang="en-US">
               <a:solidFill>
                 <a:prstClr val="white"/>
@@ -15762,10 +15820,12 @@
           </a:fontRef>
         </p:style>
         <p:txBody>
-          <a:bodyPr rtlCol="0" anchor="ctr"/>
+          <a:bodyPr anchor="ctr"/>
           <a:lstStyle/>
           <a:p>
-            <a:pPr algn="ctr"/>
+            <a:pPr algn="ctr">
+              <a:defRPr/>
+            </a:pPr>
             <a:endParaRPr lang="ko-KR" altLang="en-US">
               <a:solidFill>
                 <a:prstClr val="white"/>
@@ -15823,10 +15883,12 @@
           </a:fontRef>
         </p:style>
         <p:txBody>
-          <a:bodyPr rtlCol="0" anchor="ctr"/>
+          <a:bodyPr anchor="ctr"/>
           <a:lstStyle/>
           <a:p>
-            <a:pPr algn="ctr"/>
+            <a:pPr algn="ctr">
+              <a:defRPr/>
+            </a:pPr>
             <a:endParaRPr lang="ko-KR" altLang="en-US">
               <a:solidFill>
                 <a:prstClr val="white"/>
@@ -15880,10 +15942,12 @@
           </a:fontRef>
         </p:style>
         <p:txBody>
-          <a:bodyPr rtlCol="0" anchor="ctr"/>
+          <a:bodyPr anchor="ctr"/>
           <a:lstStyle/>
           <a:p>
-            <a:pPr algn="ctr"/>
+            <a:pPr algn="ctr">
+              <a:defRPr/>
+            </a:pPr>
             <a:endParaRPr lang="ko-KR" altLang="en-US">
               <a:solidFill>
                 <a:prstClr val="white"/>
@@ -15939,10 +16003,12 @@
           </a:fontRef>
         </p:style>
         <p:txBody>
-          <a:bodyPr rtlCol="0" anchor="ctr"/>
+          <a:bodyPr anchor="ctr"/>
           <a:lstStyle/>
           <a:p>
-            <a:pPr algn="ctr"/>
+            <a:pPr algn="ctr">
+              <a:defRPr/>
+            </a:pPr>
             <a:endParaRPr lang="ko-KR" altLang="en-US">
               <a:solidFill>
                 <a:prstClr val="white"/>
@@ -15998,10 +16064,12 @@
           </a:fontRef>
         </p:style>
         <p:txBody>
-          <a:bodyPr rtlCol="0" anchor="ctr"/>
+          <a:bodyPr anchor="ctr"/>
           <a:lstStyle/>
           <a:p>
-            <a:pPr algn="ctr"/>
+            <a:pPr algn="ctr">
+              <a:defRPr/>
+            </a:pPr>
             <a:endParaRPr lang="ko-KR" altLang="en-US">
               <a:solidFill>
                 <a:prstClr val="white"/>
@@ -16011,18 +16079,22 @@
         </p:txBody>
       </p:sp>
     </p:spTree>
-    <p:extLst>
-      <p:ext uri="{BB962C8B-B14F-4D97-AF65-F5344CB8AC3E}">
-        <p14:creationId xmlns:p14="http://schemas.microsoft.com/office/powerpoint/2010/main" val="62113076"/>
-      </p:ext>
-    </p:extLst>
   </p:cSld>
   <p:clrMapOvr>
     <a:masterClrMapping/>
   </p:clrMapOvr>
-  <p:transition spd="slow">
-    <p:push dir="d"/>
-  </p:transition>
+  <mc:AlternateContent xmlns:mc="http://schemas.openxmlformats.org/markup-compatibility/2006">
+    <mc:Choice xmlns:p14="http://schemas.microsoft.com/office/powerpoint/2010/main" Requires="p14">
+      <p:transition xmlns:mc="http://schemas.openxmlformats.org/markup-compatibility/2006" xmlns:p14="http://schemas.microsoft.com/office/powerpoint/2010/main" spd="med" mc:Ignorable="p14" p14:dur="1000">
+        <p:push dir="d"/>
+      </p:transition>
+    </mc:Choice>
+    <mc:Fallback>
+      <p:transition xmlns:mc="http://schemas.openxmlformats.org/markup-compatibility/2006" xmlns:hp="http://schemas.haansoft.com/office/presentation/8.0" spd="med" mc:Ignorable="hp" hp:hslDur="1000">
+        <p:fade/>
+      </p:transition>
+    </mc:Fallback>
+  </mc:AlternateContent>
   <p:timing>
     <p:tnLst>
       <p:par>
